--- a/Class Presentation/Poster-PPT.pptx
+++ b/Class Presentation/Poster-PPT.pptx
@@ -5,10 +5,12 @@
     <p:sldMasterId id="2147483648" r:id="rId1"/>
   </p:sldMasterIdLst>
   <p:notesMasterIdLst>
-    <p:notesMasterId r:id="rId3"/>
+    <p:notesMasterId r:id="rId5"/>
   </p:notesMasterIdLst>
   <p:sldIdLst>
-    <p:sldId id="256" r:id="rId2"/>
+    <p:sldId id="257" r:id="rId2"/>
+    <p:sldId id="256" r:id="rId3"/>
+    <p:sldId id="258" r:id="rId4"/>
   </p:sldIdLst>
   <p:sldSz cx="38404800" cy="28803600"/>
   <p:notesSz cx="6858000" cy="9144000"/>
@@ -135,13 +137,13 @@
 <pc:chgInfo xmlns:a="http://schemas.openxmlformats.org/drawingml/2006/main" xmlns:r="http://schemas.openxmlformats.org/officeDocument/2006/relationships" xmlns:ac="http://schemas.microsoft.com/office/drawing/2013/main/command" xmlns:pc="http://schemas.microsoft.com/office/powerpoint/2013/main/command">
   <pc:docChgLst>
     <pc:chgData name="Jonnel Acoba" userId="62ea16e7395004f0" providerId="LiveId" clId="{582C7735-1652-4AF6-ABA8-E1F2AC219DE4}"/>
-    <pc:docChg chg="undo redo custSel modSld modMainMaster modNotesMaster">
-      <pc:chgData name="Jonnel Acoba" userId="62ea16e7395004f0" providerId="LiveId" clId="{582C7735-1652-4AF6-ABA8-E1F2AC219DE4}" dt="2021-05-10T03:22:00.346" v="1399" actId="20577"/>
+    <pc:docChg chg="undo redo custSel addSld modSld sldOrd modMainMaster modNotesMaster">
+      <pc:chgData name="Jonnel Acoba" userId="62ea16e7395004f0" providerId="LiveId" clId="{582C7735-1652-4AF6-ABA8-E1F2AC219DE4}" dt="2021-05-10T14:08:21.817" v="1545" actId="20577"/>
       <pc:docMkLst>
         <pc:docMk/>
       </pc:docMkLst>
-      <pc:sldChg chg="addSp delSp modSp mod modNotes">
-        <pc:chgData name="Jonnel Acoba" userId="62ea16e7395004f0" providerId="LiveId" clId="{582C7735-1652-4AF6-ABA8-E1F2AC219DE4}" dt="2021-05-10T03:22:00.346" v="1399" actId="20577"/>
+      <pc:sldChg chg="addSp delSp modSp mod ord modNotes">
+        <pc:chgData name="Jonnel Acoba" userId="62ea16e7395004f0" providerId="LiveId" clId="{582C7735-1652-4AF6-ABA8-E1F2AC219DE4}" dt="2021-05-10T12:25:53.087" v="1542" actId="1038"/>
         <pc:sldMkLst>
           <pc:docMk/>
           <pc:sldMk cId="2242600264" sldId="256"/>
@@ -162,36 +164,44 @@
             <ac:spMk id="9" creationId="{00000000-0000-0000-0000-000000000000}"/>
           </ac:spMkLst>
         </pc:spChg>
-        <pc:spChg chg="mod">
-          <ac:chgData name="Jonnel Acoba" userId="62ea16e7395004f0" providerId="LiveId" clId="{582C7735-1652-4AF6-ABA8-E1F2AC219DE4}" dt="2021-05-06T02:11:11.331" v="24" actId="1038"/>
+        <pc:spChg chg="del mod">
+          <ac:chgData name="Jonnel Acoba" userId="62ea16e7395004f0" providerId="LiveId" clId="{582C7735-1652-4AF6-ABA8-E1F2AC219DE4}" dt="2021-05-10T12:20:08.326" v="1437" actId="478"/>
           <ac:spMkLst>
             <pc:docMk/>
             <pc:sldMk cId="2242600264" sldId="256"/>
             <ac:spMk id="13" creationId="{00000000-0000-0000-0000-000000000000}"/>
           </ac:spMkLst>
         </pc:spChg>
-        <pc:spChg chg="mod">
-          <ac:chgData name="Jonnel Acoba" userId="62ea16e7395004f0" providerId="LiveId" clId="{582C7735-1652-4AF6-ABA8-E1F2AC219DE4}" dt="2021-05-06T02:11:11.331" v="24" actId="1038"/>
+        <pc:spChg chg="del mod">
+          <ac:chgData name="Jonnel Acoba" userId="62ea16e7395004f0" providerId="LiveId" clId="{582C7735-1652-4AF6-ABA8-E1F2AC219DE4}" dt="2021-05-10T12:20:08.326" v="1437" actId="478"/>
           <ac:spMkLst>
             <pc:docMk/>
             <pc:sldMk cId="2242600264" sldId="256"/>
             <ac:spMk id="25" creationId="{00000000-0000-0000-0000-000000000000}"/>
           </ac:spMkLst>
         </pc:spChg>
-        <pc:spChg chg="mod">
-          <ac:chgData name="Jonnel Acoba" userId="62ea16e7395004f0" providerId="LiveId" clId="{582C7735-1652-4AF6-ABA8-E1F2AC219DE4}" dt="2021-05-10T03:22:00.346" v="1399" actId="20577"/>
+        <pc:spChg chg="del mod">
+          <ac:chgData name="Jonnel Acoba" userId="62ea16e7395004f0" providerId="LiveId" clId="{582C7735-1652-4AF6-ABA8-E1F2AC219DE4}" dt="2021-05-10T12:20:08.326" v="1437" actId="478"/>
           <ac:spMkLst>
             <pc:docMk/>
             <pc:sldMk cId="2242600264" sldId="256"/>
             <ac:spMk id="29" creationId="{00000000-0000-0000-0000-000000000000}"/>
           </ac:spMkLst>
         </pc:spChg>
-        <pc:spChg chg="mod">
-          <ac:chgData name="Jonnel Acoba" userId="62ea16e7395004f0" providerId="LiveId" clId="{582C7735-1652-4AF6-ABA8-E1F2AC219DE4}" dt="2021-05-06T02:11:11.331" v="24" actId="1038"/>
+        <pc:spChg chg="del mod">
+          <ac:chgData name="Jonnel Acoba" userId="62ea16e7395004f0" providerId="LiveId" clId="{582C7735-1652-4AF6-ABA8-E1F2AC219DE4}" dt="2021-05-10T12:20:08.326" v="1437" actId="478"/>
           <ac:spMkLst>
             <pc:docMk/>
             <pc:sldMk cId="2242600264" sldId="256"/>
             <ac:spMk id="36" creationId="{00000000-0000-0000-0000-000000000000}"/>
+          </ac:spMkLst>
+        </pc:spChg>
+        <pc:spChg chg="add mod">
+          <ac:chgData name="Jonnel Acoba" userId="62ea16e7395004f0" providerId="LiveId" clId="{582C7735-1652-4AF6-ABA8-E1F2AC219DE4}" dt="2021-05-10T12:25:53.087" v="1542" actId="1038"/>
+          <ac:spMkLst>
+            <pc:docMk/>
+            <pc:sldMk cId="2242600264" sldId="256"/>
+            <ac:spMk id="40" creationId="{1CECEFA7-E55D-448F-925A-243B36A2391D}"/>
           </ac:spMkLst>
         </pc:spChg>
         <pc:spChg chg="mod">
@@ -202,8 +212,8 @@
             <ac:spMk id="41" creationId="{31941E75-9AD8-43C2-BBAA-BDFB525C1847}"/>
           </ac:spMkLst>
         </pc:spChg>
-        <pc:spChg chg="mod">
-          <ac:chgData name="Jonnel Acoba" userId="62ea16e7395004f0" providerId="LiveId" clId="{582C7735-1652-4AF6-ABA8-E1F2AC219DE4}" dt="2021-05-10T01:23:34.604" v="1302" actId="207"/>
+        <pc:spChg chg="del mod">
+          <ac:chgData name="Jonnel Acoba" userId="62ea16e7395004f0" providerId="LiveId" clId="{582C7735-1652-4AF6-ABA8-E1F2AC219DE4}" dt="2021-05-10T12:20:08.326" v="1437" actId="478"/>
           <ac:spMkLst>
             <pc:docMk/>
             <pc:sldMk cId="2242600264" sldId="256"/>
@@ -226,144 +236,168 @@
             <ac:spMk id="45" creationId="{00000000-0000-0000-0000-000000000000}"/>
           </ac:spMkLst>
         </pc:spChg>
-        <pc:spChg chg="mod">
-          <ac:chgData name="Jonnel Acoba" userId="62ea16e7395004f0" providerId="LiveId" clId="{582C7735-1652-4AF6-ABA8-E1F2AC219DE4}" dt="2021-05-06T02:11:11.331" v="24" actId="1038"/>
+        <pc:spChg chg="del mod">
+          <ac:chgData name="Jonnel Acoba" userId="62ea16e7395004f0" providerId="LiveId" clId="{582C7735-1652-4AF6-ABA8-E1F2AC219DE4}" dt="2021-05-10T12:20:08.326" v="1437" actId="478"/>
           <ac:spMkLst>
             <pc:docMk/>
             <pc:sldMk cId="2242600264" sldId="256"/>
             <ac:spMk id="47" creationId="{5320F406-4B0B-4979-B86A-321A2EFF7712}"/>
           </ac:spMkLst>
         </pc:spChg>
-        <pc:spChg chg="mod">
-          <ac:chgData name="Jonnel Acoba" userId="62ea16e7395004f0" providerId="LiveId" clId="{582C7735-1652-4AF6-ABA8-E1F2AC219DE4}" dt="2021-05-06T02:30:59.357" v="940" actId="20577"/>
+        <pc:spChg chg="del mod">
+          <ac:chgData name="Jonnel Acoba" userId="62ea16e7395004f0" providerId="LiveId" clId="{582C7735-1652-4AF6-ABA8-E1F2AC219DE4}" dt="2021-05-10T12:20:08.326" v="1437" actId="478"/>
           <ac:spMkLst>
             <pc:docMk/>
             <pc:sldMk cId="2242600264" sldId="256"/>
             <ac:spMk id="50" creationId="{C095AC23-11FA-43C3-B215-0AB040FEA931}"/>
           </ac:spMkLst>
         </pc:spChg>
-        <pc:spChg chg="mod">
-          <ac:chgData name="Jonnel Acoba" userId="62ea16e7395004f0" providerId="LiveId" clId="{582C7735-1652-4AF6-ABA8-E1F2AC219DE4}" dt="2021-05-10T01:57:43.438" v="1347" actId="20577"/>
+        <pc:spChg chg="del mod">
+          <ac:chgData name="Jonnel Acoba" userId="62ea16e7395004f0" providerId="LiveId" clId="{582C7735-1652-4AF6-ABA8-E1F2AC219DE4}" dt="2021-05-10T12:20:08.326" v="1437" actId="478"/>
           <ac:spMkLst>
             <pc:docMk/>
             <pc:sldMk cId="2242600264" sldId="256"/>
             <ac:spMk id="66" creationId="{A84C3F84-21DC-4212-80A8-A9EC7EF68368}"/>
           </ac:spMkLst>
         </pc:spChg>
-        <pc:spChg chg="mod">
-          <ac:chgData name="Jonnel Acoba" userId="62ea16e7395004f0" providerId="LiveId" clId="{582C7735-1652-4AF6-ABA8-E1F2AC219DE4}" dt="2021-05-06T02:11:11.331" v="24" actId="1038"/>
+        <pc:spChg chg="del mod">
+          <ac:chgData name="Jonnel Acoba" userId="62ea16e7395004f0" providerId="LiveId" clId="{582C7735-1652-4AF6-ABA8-E1F2AC219DE4}" dt="2021-05-10T12:20:08.326" v="1437" actId="478"/>
           <ac:spMkLst>
             <pc:docMk/>
             <pc:sldMk cId="2242600264" sldId="256"/>
             <ac:spMk id="71" creationId="{670971CF-BEAF-4104-BD36-07FC542025E4}"/>
           </ac:spMkLst>
         </pc:spChg>
-        <pc:spChg chg="mod">
-          <ac:chgData name="Jonnel Acoba" userId="62ea16e7395004f0" providerId="LiveId" clId="{582C7735-1652-4AF6-ABA8-E1F2AC219DE4}" dt="2021-05-10T01:16:26.919" v="1107" actId="207"/>
+        <pc:spChg chg="del mod">
+          <ac:chgData name="Jonnel Acoba" userId="62ea16e7395004f0" providerId="LiveId" clId="{582C7735-1652-4AF6-ABA8-E1F2AC219DE4}" dt="2021-05-10T12:20:08.326" v="1437" actId="478"/>
           <ac:spMkLst>
             <pc:docMk/>
             <pc:sldMk cId="2242600264" sldId="256"/>
             <ac:spMk id="72" creationId="{99D3BEFC-A925-405C-85F7-A0FA06EDDF96}"/>
           </ac:spMkLst>
         </pc:spChg>
-        <pc:spChg chg="mod">
-          <ac:chgData name="Jonnel Acoba" userId="62ea16e7395004f0" providerId="LiveId" clId="{582C7735-1652-4AF6-ABA8-E1F2AC219DE4}" dt="2021-05-06T02:31:05.652" v="948" actId="20577"/>
+        <pc:spChg chg="del mod">
+          <ac:chgData name="Jonnel Acoba" userId="62ea16e7395004f0" providerId="LiveId" clId="{582C7735-1652-4AF6-ABA8-E1F2AC219DE4}" dt="2021-05-10T12:20:08.326" v="1437" actId="478"/>
           <ac:spMkLst>
             <pc:docMk/>
             <pc:sldMk cId="2242600264" sldId="256"/>
             <ac:spMk id="73" creationId="{CD77914B-2F18-4899-8C45-4DD868C56A73}"/>
           </ac:spMkLst>
         </pc:spChg>
-        <pc:spChg chg="add mod">
-          <ac:chgData name="Jonnel Acoba" userId="62ea16e7395004f0" providerId="LiveId" clId="{582C7735-1652-4AF6-ABA8-E1F2AC219DE4}" dt="2021-05-06T02:22:02.471" v="792" actId="1035"/>
+        <pc:spChg chg="add del mod">
+          <ac:chgData name="Jonnel Acoba" userId="62ea16e7395004f0" providerId="LiveId" clId="{582C7735-1652-4AF6-ABA8-E1F2AC219DE4}" dt="2021-05-10T12:20:08.326" v="1437" actId="478"/>
           <ac:spMkLst>
             <pc:docMk/>
             <pc:sldMk cId="2242600264" sldId="256"/>
             <ac:spMk id="74" creationId="{7F588C52-811B-4F3D-B247-029F842EF956}"/>
           </ac:spMkLst>
         </pc:spChg>
-        <pc:spChg chg="add mod">
-          <ac:chgData name="Jonnel Acoba" userId="62ea16e7395004f0" providerId="LiveId" clId="{582C7735-1652-4AF6-ABA8-E1F2AC219DE4}" dt="2021-05-10T01:45:11.110" v="1335" actId="313"/>
+        <pc:spChg chg="add del mod">
+          <ac:chgData name="Jonnel Acoba" userId="62ea16e7395004f0" providerId="LiveId" clId="{582C7735-1652-4AF6-ABA8-E1F2AC219DE4}" dt="2021-05-10T12:20:08.326" v="1437" actId="478"/>
           <ac:spMkLst>
             <pc:docMk/>
             <pc:sldMk cId="2242600264" sldId="256"/>
             <ac:spMk id="75" creationId="{142652F1-2611-4020-A00C-F3EE8AF49CBA}"/>
           </ac:spMkLst>
         </pc:spChg>
-        <pc:spChg chg="add mod">
-          <ac:chgData name="Jonnel Acoba" userId="62ea16e7395004f0" providerId="LiveId" clId="{582C7735-1652-4AF6-ABA8-E1F2AC219DE4}" dt="2021-05-06T02:21:53.726" v="790" actId="1036"/>
+        <pc:spChg chg="add del mod">
+          <ac:chgData name="Jonnel Acoba" userId="62ea16e7395004f0" providerId="LiveId" clId="{582C7735-1652-4AF6-ABA8-E1F2AC219DE4}" dt="2021-05-10T12:20:08.326" v="1437" actId="478"/>
           <ac:spMkLst>
             <pc:docMk/>
             <pc:sldMk cId="2242600264" sldId="256"/>
             <ac:spMk id="76" creationId="{E51D3A0A-A74E-4C7E-ACA2-1423D1827D57}"/>
           </ac:spMkLst>
         </pc:spChg>
-        <pc:spChg chg="add mod">
-          <ac:chgData name="Jonnel Acoba" userId="62ea16e7395004f0" providerId="LiveId" clId="{582C7735-1652-4AF6-ABA8-E1F2AC219DE4}" dt="2021-05-06T02:21:08.888" v="748" actId="404"/>
+        <pc:spChg chg="add del mod">
+          <ac:chgData name="Jonnel Acoba" userId="62ea16e7395004f0" providerId="LiveId" clId="{582C7735-1652-4AF6-ABA8-E1F2AC219DE4}" dt="2021-05-10T12:20:08.326" v="1437" actId="478"/>
           <ac:spMkLst>
             <pc:docMk/>
             <pc:sldMk cId="2242600264" sldId="256"/>
             <ac:spMk id="77" creationId="{5E7E97AA-4FC9-4FE0-ABAF-2E208CAC235A}"/>
           </ac:spMkLst>
         </pc:spChg>
-        <pc:picChg chg="mod">
-          <ac:chgData name="Jonnel Acoba" userId="62ea16e7395004f0" providerId="LiveId" clId="{582C7735-1652-4AF6-ABA8-E1F2AC219DE4}" dt="2021-05-06T02:11:11.331" v="24" actId="1038"/>
+        <pc:picChg chg="add del mod">
+          <ac:chgData name="Jonnel Acoba" userId="62ea16e7395004f0" providerId="LiveId" clId="{582C7735-1652-4AF6-ABA8-E1F2AC219DE4}" dt="2021-05-10T12:20:08.326" v="1437" actId="478"/>
+          <ac:picMkLst>
+            <pc:docMk/>
+            <pc:sldMk cId="2242600264" sldId="256"/>
+            <ac:picMk id="3" creationId="{B8F999F1-C88D-40B1-A6A5-BCA53B7B1F6F}"/>
+          </ac:picMkLst>
+        </pc:picChg>
+        <pc:picChg chg="del mod">
+          <ac:chgData name="Jonnel Acoba" userId="62ea16e7395004f0" providerId="LiveId" clId="{582C7735-1652-4AF6-ABA8-E1F2AC219DE4}" dt="2021-05-10T12:20:08.326" v="1437" actId="478"/>
           <ac:picMkLst>
             <pc:docMk/>
             <pc:sldMk cId="2242600264" sldId="256"/>
             <ac:picMk id="5" creationId="{420D49CE-3771-44B2-9509-7715440C677A}"/>
           </ac:picMkLst>
         </pc:picChg>
-        <pc:picChg chg="mod">
-          <ac:chgData name="Jonnel Acoba" userId="62ea16e7395004f0" providerId="LiveId" clId="{582C7735-1652-4AF6-ABA8-E1F2AC219DE4}" dt="2021-05-06T02:11:11.331" v="24" actId="1038"/>
+        <pc:picChg chg="add del mod">
+          <ac:chgData name="Jonnel Acoba" userId="62ea16e7395004f0" providerId="LiveId" clId="{582C7735-1652-4AF6-ABA8-E1F2AC219DE4}" dt="2021-05-10T12:20:43.071" v="1441" actId="478"/>
+          <ac:picMkLst>
+            <pc:docMk/>
+            <pc:sldMk cId="2242600264" sldId="256"/>
+            <ac:picMk id="6" creationId="{F71065F9-3E5D-4B79-A6BB-15D8D031106A}"/>
+          </ac:picMkLst>
+        </pc:picChg>
+        <pc:picChg chg="add mod modCrop">
+          <ac:chgData name="Jonnel Acoba" userId="62ea16e7395004f0" providerId="LiveId" clId="{582C7735-1652-4AF6-ABA8-E1F2AC219DE4}" dt="2021-05-10T12:24:54.695" v="1531" actId="1037"/>
+          <ac:picMkLst>
+            <pc:docMk/>
+            <pc:sldMk cId="2242600264" sldId="256"/>
+            <ac:picMk id="10" creationId="{803B527E-56EF-4A40-B430-45FB25EA3448}"/>
+          </ac:picMkLst>
+        </pc:picChg>
+        <pc:picChg chg="del mod">
+          <ac:chgData name="Jonnel Acoba" userId="62ea16e7395004f0" providerId="LiveId" clId="{582C7735-1652-4AF6-ABA8-E1F2AC219DE4}" dt="2021-05-10T12:20:08.326" v="1437" actId="478"/>
           <ac:picMkLst>
             <pc:docMk/>
             <pc:sldMk cId="2242600264" sldId="256"/>
             <ac:picMk id="11" creationId="{6044988D-7CCD-4514-9186-19C5CFBE3481}"/>
           </ac:picMkLst>
         </pc:picChg>
-        <pc:picChg chg="mod">
-          <ac:chgData name="Jonnel Acoba" userId="62ea16e7395004f0" providerId="LiveId" clId="{582C7735-1652-4AF6-ABA8-E1F2AC219DE4}" dt="2021-05-06T02:11:11.331" v="24" actId="1038"/>
+        <pc:picChg chg="del mod">
+          <ac:chgData name="Jonnel Acoba" userId="62ea16e7395004f0" providerId="LiveId" clId="{582C7735-1652-4AF6-ABA8-E1F2AC219DE4}" dt="2021-05-10T12:20:08.326" v="1437" actId="478"/>
           <ac:picMkLst>
             <pc:docMk/>
             <pc:sldMk cId="2242600264" sldId="256"/>
             <ac:picMk id="14" creationId="{299BDA30-0390-458E-BF92-9E809C350C34}"/>
           </ac:picMkLst>
         </pc:picChg>
-        <pc:picChg chg="mod">
-          <ac:chgData name="Jonnel Acoba" userId="62ea16e7395004f0" providerId="LiveId" clId="{582C7735-1652-4AF6-ABA8-E1F2AC219DE4}" dt="2021-05-06T02:19:45.352" v="720" actId="208"/>
+        <pc:picChg chg="del mod">
+          <ac:chgData name="Jonnel Acoba" userId="62ea16e7395004f0" providerId="LiveId" clId="{582C7735-1652-4AF6-ABA8-E1F2AC219DE4}" dt="2021-05-10T12:20:08.326" v="1437" actId="478"/>
           <ac:picMkLst>
             <pc:docMk/>
             <pc:sldMk cId="2242600264" sldId="256"/>
             <ac:picMk id="18" creationId="{A72C6301-4BDC-44E8-9BC7-DCC8481D0537}"/>
           </ac:picMkLst>
         </pc:picChg>
-        <pc:picChg chg="mod">
-          <ac:chgData name="Jonnel Acoba" userId="62ea16e7395004f0" providerId="LiveId" clId="{582C7735-1652-4AF6-ABA8-E1F2AC219DE4}" dt="2021-05-06T02:11:11.331" v="24" actId="1038"/>
+        <pc:picChg chg="del mod">
+          <ac:chgData name="Jonnel Acoba" userId="62ea16e7395004f0" providerId="LiveId" clId="{582C7735-1652-4AF6-ABA8-E1F2AC219DE4}" dt="2021-05-10T12:20:08.326" v="1437" actId="478"/>
           <ac:picMkLst>
             <pc:docMk/>
             <pc:sldMk cId="2242600264" sldId="256"/>
             <ac:picMk id="20" creationId="{E09E844F-5F69-4AA4-B925-63F3F6E75351}"/>
           </ac:picMkLst>
         </pc:picChg>
-        <pc:picChg chg="mod">
-          <ac:chgData name="Jonnel Acoba" userId="62ea16e7395004f0" providerId="LiveId" clId="{582C7735-1652-4AF6-ABA8-E1F2AC219DE4}" dt="2021-05-06T02:11:11.331" v="24" actId="1038"/>
+        <pc:picChg chg="del mod">
+          <ac:chgData name="Jonnel Acoba" userId="62ea16e7395004f0" providerId="LiveId" clId="{582C7735-1652-4AF6-ABA8-E1F2AC219DE4}" dt="2021-05-10T12:20:08.326" v="1437" actId="478"/>
           <ac:picMkLst>
             <pc:docMk/>
             <pc:sldMk cId="2242600264" sldId="256"/>
             <ac:picMk id="22" creationId="{5AF599CC-F2C4-431C-BDBD-CDDE90BB3CFA}"/>
           </ac:picMkLst>
         </pc:picChg>
-        <pc:picChg chg="mod">
-          <ac:chgData name="Jonnel Acoba" userId="62ea16e7395004f0" providerId="LiveId" clId="{582C7735-1652-4AF6-ABA8-E1F2AC219DE4}" dt="2021-05-06T02:11:11.331" v="24" actId="1038"/>
+        <pc:picChg chg="del mod">
+          <ac:chgData name="Jonnel Acoba" userId="62ea16e7395004f0" providerId="LiveId" clId="{582C7735-1652-4AF6-ABA8-E1F2AC219DE4}" dt="2021-05-10T12:20:08.326" v="1437" actId="478"/>
           <ac:picMkLst>
             <pc:docMk/>
             <pc:sldMk cId="2242600264" sldId="256"/>
             <ac:picMk id="24" creationId="{0C388369-D36E-4A36-ABB6-759B2E46A99B}"/>
           </ac:picMkLst>
         </pc:picChg>
-        <pc:picChg chg="mod">
-          <ac:chgData name="Jonnel Acoba" userId="62ea16e7395004f0" providerId="LiveId" clId="{582C7735-1652-4AF6-ABA8-E1F2AC219DE4}" dt="2021-05-06T02:24:20.730" v="896" actId="1036"/>
+        <pc:picChg chg="del mod">
+          <ac:chgData name="Jonnel Acoba" userId="62ea16e7395004f0" providerId="LiveId" clId="{582C7735-1652-4AF6-ABA8-E1F2AC219DE4}" dt="2021-05-10T12:19:32.099" v="1430" actId="478"/>
           <ac:picMkLst>
             <pc:docMk/>
             <pc:sldMk cId="2242600264" sldId="256"/>
@@ -378,46 +412,100 @@
             <ac:picMk id="1509" creationId="{D4E812EE-ECB1-4667-8DD3-E0DA8E664AEA}"/>
           </ac:picMkLst>
         </pc:picChg>
-        <pc:cxnChg chg="mod">
-          <ac:chgData name="Jonnel Acoba" userId="62ea16e7395004f0" providerId="LiveId" clId="{582C7735-1652-4AF6-ABA8-E1F2AC219DE4}" dt="2021-05-06T02:11:11.331" v="24" actId="1038"/>
+        <pc:cxnChg chg="del mod">
+          <ac:chgData name="Jonnel Acoba" userId="62ea16e7395004f0" providerId="LiveId" clId="{582C7735-1652-4AF6-ABA8-E1F2AC219DE4}" dt="2021-05-10T12:20:08.326" v="1437" actId="478"/>
           <ac:cxnSpMkLst>
             <pc:docMk/>
             <pc:sldMk cId="2242600264" sldId="256"/>
             <ac:cxnSpMk id="16" creationId="{A3DD678E-38F0-4F40-9B66-1EBE5054D4BA}"/>
           </ac:cxnSpMkLst>
         </pc:cxnChg>
-        <pc:cxnChg chg="mod">
-          <ac:chgData name="Jonnel Acoba" userId="62ea16e7395004f0" providerId="LiveId" clId="{582C7735-1652-4AF6-ABA8-E1F2AC219DE4}" dt="2021-05-06T02:11:11.331" v="24" actId="1038"/>
+        <pc:cxnChg chg="del mod">
+          <ac:chgData name="Jonnel Acoba" userId="62ea16e7395004f0" providerId="LiveId" clId="{582C7735-1652-4AF6-ABA8-E1F2AC219DE4}" dt="2021-05-10T12:20:08.326" v="1437" actId="478"/>
           <ac:cxnSpMkLst>
             <pc:docMk/>
             <pc:sldMk cId="2242600264" sldId="256"/>
             <ac:cxnSpMk id="49" creationId="{D6761F9C-3453-482D-AF67-F05D5B25B880}"/>
           </ac:cxnSpMkLst>
         </pc:cxnChg>
-        <pc:cxnChg chg="mod">
-          <ac:chgData name="Jonnel Acoba" userId="62ea16e7395004f0" providerId="LiveId" clId="{582C7735-1652-4AF6-ABA8-E1F2AC219DE4}" dt="2021-05-06T02:17:14.604" v="484" actId="1036"/>
+        <pc:cxnChg chg="del mod">
+          <ac:chgData name="Jonnel Acoba" userId="62ea16e7395004f0" providerId="LiveId" clId="{582C7735-1652-4AF6-ABA8-E1F2AC219DE4}" dt="2021-05-10T12:20:08.326" v="1437" actId="478"/>
           <ac:cxnSpMkLst>
             <pc:docMk/>
             <pc:sldMk cId="2242600264" sldId="256"/>
             <ac:cxnSpMk id="69" creationId="{ABD617D3-DF73-4DDB-A60C-7DB31642AC34}"/>
           </ac:cxnSpMkLst>
         </pc:cxnChg>
-        <pc:cxnChg chg="mod">
-          <ac:chgData name="Jonnel Acoba" userId="62ea16e7395004f0" providerId="LiveId" clId="{582C7735-1652-4AF6-ABA8-E1F2AC219DE4}" dt="2021-05-06T02:24:26.272" v="900" actId="1036"/>
+        <pc:cxnChg chg="del mod">
+          <ac:chgData name="Jonnel Acoba" userId="62ea16e7395004f0" providerId="LiveId" clId="{582C7735-1652-4AF6-ABA8-E1F2AC219DE4}" dt="2021-05-10T12:20:08.326" v="1437" actId="478"/>
           <ac:cxnSpMkLst>
             <pc:docMk/>
             <pc:sldMk cId="2242600264" sldId="256"/>
             <ac:cxnSpMk id="70" creationId="{6BDD7B02-8920-41F9-9B7D-DB1B3708DD8E}"/>
           </ac:cxnSpMkLst>
         </pc:cxnChg>
-        <pc:cxnChg chg="add mod">
-          <ac:chgData name="Jonnel Acoba" userId="62ea16e7395004f0" providerId="LiveId" clId="{582C7735-1652-4AF6-ABA8-E1F2AC219DE4}" dt="2021-05-06T02:21:42.895" v="770" actId="1035"/>
+        <pc:cxnChg chg="add del mod">
+          <ac:chgData name="Jonnel Acoba" userId="62ea16e7395004f0" providerId="LiveId" clId="{582C7735-1652-4AF6-ABA8-E1F2AC219DE4}" dt="2021-05-10T12:20:08.326" v="1437" actId="478"/>
           <ac:cxnSpMkLst>
             <pc:docMk/>
             <pc:sldMk cId="2242600264" sldId="256"/>
             <ac:cxnSpMk id="78" creationId="{F1583881-94A5-4E45-8374-1C4BA80A2F7F}"/>
           </ac:cxnSpMkLst>
         </pc:cxnChg>
+      </pc:sldChg>
+      <pc:sldChg chg="modSp add mod">
+        <pc:chgData name="Jonnel Acoba" userId="62ea16e7395004f0" providerId="LiveId" clId="{582C7735-1652-4AF6-ABA8-E1F2AC219DE4}" dt="2021-05-10T14:08:21.817" v="1545" actId="20577"/>
+        <pc:sldMkLst>
+          <pc:docMk/>
+          <pc:sldMk cId="3383284293" sldId="257"/>
+        </pc:sldMkLst>
+        <pc:spChg chg="mod">
+          <ac:chgData name="Jonnel Acoba" userId="62ea16e7395004f0" providerId="LiveId" clId="{582C7735-1652-4AF6-ABA8-E1F2AC219DE4}" dt="2021-05-10T14:08:21.817" v="1545" actId="20577"/>
+          <ac:spMkLst>
+            <pc:docMk/>
+            <pc:sldMk cId="3383284293" sldId="257"/>
+            <ac:spMk id="29" creationId="{00000000-0000-0000-0000-000000000000}"/>
+          </ac:spMkLst>
+        </pc:spChg>
+      </pc:sldChg>
+      <pc:sldChg chg="addSp delSp modSp add mod">
+        <pc:chgData name="Jonnel Acoba" userId="62ea16e7395004f0" providerId="LiveId" clId="{582C7735-1652-4AF6-ABA8-E1F2AC219DE4}" dt="2021-05-10T12:23:49.962" v="1520" actId="14100"/>
+        <pc:sldMkLst>
+          <pc:docMk/>
+          <pc:sldMk cId="995882277" sldId="258"/>
+        </pc:sldMkLst>
+        <pc:spChg chg="mod">
+          <ac:chgData name="Jonnel Acoba" userId="62ea16e7395004f0" providerId="LiveId" clId="{582C7735-1652-4AF6-ABA8-E1F2AC219DE4}" dt="2021-05-10T12:23:49.962" v="1520" actId="14100"/>
+          <ac:spMkLst>
+            <pc:docMk/>
+            <pc:sldMk cId="995882277" sldId="258"/>
+            <ac:spMk id="40" creationId="{1CECEFA7-E55D-448F-925A-243B36A2391D}"/>
+          </ac:spMkLst>
+        </pc:spChg>
+        <pc:picChg chg="add del mod">
+          <ac:chgData name="Jonnel Acoba" userId="62ea16e7395004f0" providerId="LiveId" clId="{582C7735-1652-4AF6-ABA8-E1F2AC219DE4}" dt="2021-05-10T12:22:39.616" v="1474" actId="931"/>
+          <ac:picMkLst>
+            <pc:docMk/>
+            <pc:sldMk cId="995882277" sldId="258"/>
+            <ac:picMk id="3" creationId="{EAB49A8E-7201-4D74-8D68-54F8056E19DA}"/>
+          </ac:picMkLst>
+        </pc:picChg>
+        <pc:picChg chg="add mod ord modCrop">
+          <ac:chgData name="Jonnel Acoba" userId="62ea16e7395004f0" providerId="LiveId" clId="{582C7735-1652-4AF6-ABA8-E1F2AC219DE4}" dt="2021-05-10T12:23:46.022" v="1519" actId="1076"/>
+          <ac:picMkLst>
+            <pc:docMk/>
+            <pc:sldMk cId="995882277" sldId="258"/>
+            <ac:picMk id="5" creationId="{7A71C58F-9CF0-43BC-8524-45BC7197BE30}"/>
+          </ac:picMkLst>
+        </pc:picChg>
+        <pc:picChg chg="del">
+          <ac:chgData name="Jonnel Acoba" userId="62ea16e7395004f0" providerId="LiveId" clId="{582C7735-1652-4AF6-ABA8-E1F2AC219DE4}" dt="2021-05-10T12:22:24.956" v="1472" actId="478"/>
+          <ac:picMkLst>
+            <pc:docMk/>
+            <pc:sldMk cId="995882277" sldId="258"/>
+            <ac:picMk id="10" creationId="{803B527E-56EF-4A40-B430-45FB25EA3448}"/>
+          </ac:picMkLst>
+        </pc:picChg>
       </pc:sldChg>
       <pc:sldMasterChg chg="modSp modSldLayout">
         <pc:chgData name="Jonnel Acoba" userId="62ea16e7395004f0" providerId="LiveId" clId="{582C7735-1652-4AF6-ABA8-E1F2AC219DE4}" dt="2021-05-06T02:11:04.325" v="0"/>
@@ -780,7 +868,7 @@
           <a:p>
             <a:fld id="{6DA16D63-37EC-C44D-940A-20A04027357E}" type="datetimeFigureOut">
               <a:rPr lang="en-US" smtClean="0"/>
-              <a:t>5/9/2021</a:t>
+              <a:t>5/10/2021</a:t>
             </a:fld>
             <a:endParaRPr lang="en-US"/>
           </a:p>
@@ -1126,7 +1214,185 @@
     </p:spTree>
     <p:extLst>
       <p:ext uri="{BB962C8B-B14F-4D97-AF65-F5344CB8AC3E}">
+        <p14:creationId xmlns:p14="http://schemas.microsoft.com/office/powerpoint/2010/main" val="2922019347"/>
+      </p:ext>
+    </p:extLst>
+  </p:cSld>
+  <p:clrMapOvr>
+    <a:masterClrMapping/>
+  </p:clrMapOvr>
+</p:notes>
+</file>
+
+<file path=ppt/notesSlides/notesSlide2.xml><?xml version="1.0" encoding="utf-8"?>
+<p:notes xmlns:a="http://schemas.openxmlformats.org/drawingml/2006/main" xmlns:r="http://schemas.openxmlformats.org/officeDocument/2006/relationships" xmlns:p="http://schemas.openxmlformats.org/presentationml/2006/main">
+  <p:cSld>
+    <p:spTree>
+      <p:nvGrpSpPr>
+        <p:cNvPr id="1" name=""/>
+        <p:cNvGrpSpPr/>
+        <p:nvPr/>
+      </p:nvGrpSpPr>
+      <p:grpSpPr>
+        <a:xfrm>
+          <a:off x="0" y="0"/>
+          <a:ext cx="0" cy="0"/>
+          <a:chOff x="0" y="0"/>
+          <a:chExt cx="0" cy="0"/>
+        </a:xfrm>
+      </p:grpSpPr>
+      <p:sp>
+        <p:nvSpPr>
+          <p:cNvPr id="2" name="Slide Image Placeholder 1"/>
+          <p:cNvSpPr>
+            <a:spLocks noGrp="1" noRot="1" noChangeAspect="1"/>
+          </p:cNvSpPr>
+          <p:nvPr>
+            <p:ph type="sldImg"/>
+          </p:nvPr>
+        </p:nvSpPr>
+        <p:spPr>
+          <a:xfrm>
+            <a:off x="1371600" y="1143000"/>
+            <a:ext cx="4114800" cy="3086100"/>
+          </a:xfrm>
+        </p:spPr>
+      </p:sp>
+      <p:sp>
+        <p:nvSpPr>
+          <p:cNvPr id="3" name="Notes Placeholder 2"/>
+          <p:cNvSpPr>
+            <a:spLocks noGrp="1"/>
+          </p:cNvSpPr>
+          <p:nvPr>
+            <p:ph type="body" idx="1"/>
+          </p:nvPr>
+        </p:nvSpPr>
+        <p:spPr/>
+        <p:txBody>
+          <a:bodyPr/>
+          <a:lstStyle/>
+          <a:p>
+            <a:endParaRPr lang="en-US"/>
+          </a:p>
+        </p:txBody>
+      </p:sp>
+      <p:sp>
+        <p:nvSpPr>
+          <p:cNvPr id="4" name="Slide Number Placeholder 3"/>
+          <p:cNvSpPr>
+            <a:spLocks noGrp="1"/>
+          </p:cNvSpPr>
+          <p:nvPr>
+            <p:ph type="sldNum" sz="quarter" idx="10"/>
+          </p:nvPr>
+        </p:nvSpPr>
+        <p:spPr/>
+        <p:txBody>
+          <a:bodyPr/>
+          <a:lstStyle/>
+          <a:p>
+            <a:fld id="{7C6CD54B-FCAA-554D-B4B2-1CB504E6FBAB}" type="slidenum">
+              <a:rPr lang="en-US" smtClean="0"/>
+              <a:t>2</a:t>
+            </a:fld>
+            <a:endParaRPr lang="en-US"/>
+          </a:p>
+        </p:txBody>
+      </p:sp>
+    </p:spTree>
+    <p:extLst>
+      <p:ext uri="{BB962C8B-B14F-4D97-AF65-F5344CB8AC3E}">
         <p14:creationId xmlns:p14="http://schemas.microsoft.com/office/powerpoint/2010/main" val="352406219"/>
+      </p:ext>
+    </p:extLst>
+  </p:cSld>
+  <p:clrMapOvr>
+    <a:masterClrMapping/>
+  </p:clrMapOvr>
+</p:notes>
+</file>
+
+<file path=ppt/notesSlides/notesSlide3.xml><?xml version="1.0" encoding="utf-8"?>
+<p:notes xmlns:a="http://schemas.openxmlformats.org/drawingml/2006/main" xmlns:r="http://schemas.openxmlformats.org/officeDocument/2006/relationships" xmlns:p="http://schemas.openxmlformats.org/presentationml/2006/main">
+  <p:cSld>
+    <p:spTree>
+      <p:nvGrpSpPr>
+        <p:cNvPr id="1" name=""/>
+        <p:cNvGrpSpPr/>
+        <p:nvPr/>
+      </p:nvGrpSpPr>
+      <p:grpSpPr>
+        <a:xfrm>
+          <a:off x="0" y="0"/>
+          <a:ext cx="0" cy="0"/>
+          <a:chOff x="0" y="0"/>
+          <a:chExt cx="0" cy="0"/>
+        </a:xfrm>
+      </p:grpSpPr>
+      <p:sp>
+        <p:nvSpPr>
+          <p:cNvPr id="2" name="Slide Image Placeholder 1"/>
+          <p:cNvSpPr>
+            <a:spLocks noGrp="1" noRot="1" noChangeAspect="1"/>
+          </p:cNvSpPr>
+          <p:nvPr>
+            <p:ph type="sldImg"/>
+          </p:nvPr>
+        </p:nvSpPr>
+        <p:spPr>
+          <a:xfrm>
+            <a:off x="1371600" y="1143000"/>
+            <a:ext cx="4114800" cy="3086100"/>
+          </a:xfrm>
+        </p:spPr>
+      </p:sp>
+      <p:sp>
+        <p:nvSpPr>
+          <p:cNvPr id="3" name="Notes Placeholder 2"/>
+          <p:cNvSpPr>
+            <a:spLocks noGrp="1"/>
+          </p:cNvSpPr>
+          <p:nvPr>
+            <p:ph type="body" idx="1"/>
+          </p:nvPr>
+        </p:nvSpPr>
+        <p:spPr/>
+        <p:txBody>
+          <a:bodyPr/>
+          <a:lstStyle/>
+          <a:p>
+            <a:endParaRPr lang="en-US"/>
+          </a:p>
+        </p:txBody>
+      </p:sp>
+      <p:sp>
+        <p:nvSpPr>
+          <p:cNvPr id="4" name="Slide Number Placeholder 3"/>
+          <p:cNvSpPr>
+            <a:spLocks noGrp="1"/>
+          </p:cNvSpPr>
+          <p:nvPr>
+            <p:ph type="sldNum" sz="quarter" idx="10"/>
+          </p:nvPr>
+        </p:nvSpPr>
+        <p:spPr/>
+        <p:txBody>
+          <a:bodyPr/>
+          <a:lstStyle/>
+          <a:p>
+            <a:fld id="{7C6CD54B-FCAA-554D-B4B2-1CB504E6FBAB}" type="slidenum">
+              <a:rPr lang="en-US" smtClean="0"/>
+              <a:t>3</a:t>
+            </a:fld>
+            <a:endParaRPr lang="en-US"/>
+          </a:p>
+        </p:txBody>
+      </p:sp>
+    </p:spTree>
+    <p:extLst>
+      <p:ext uri="{BB962C8B-B14F-4D97-AF65-F5344CB8AC3E}">
+        <p14:creationId xmlns:p14="http://schemas.microsoft.com/office/powerpoint/2010/main" val="1261816519"/>
       </p:ext>
     </p:extLst>
   </p:cSld>
@@ -1315,7 +1581,7 @@
           <a:p>
             <a:fld id="{5BA1A525-8B96-944C-9C6E-506E8D2188AE}" type="datetimeFigureOut">
               <a:rPr lang="en-US" smtClean="0"/>
-              <a:t>5/9/2021</a:t>
+              <a:t>5/10/2021</a:t>
             </a:fld>
             <a:endParaRPr lang="en-US"/>
           </a:p>
@@ -1483,7 +1749,7 @@
           <a:p>
             <a:fld id="{5BA1A525-8B96-944C-9C6E-506E8D2188AE}" type="datetimeFigureOut">
               <a:rPr lang="en-US" smtClean="0"/>
-              <a:t>5/9/2021</a:t>
+              <a:t>5/10/2021</a:t>
             </a:fld>
             <a:endParaRPr lang="en-US"/>
           </a:p>
@@ -1661,7 +1927,7 @@
           <a:p>
             <a:fld id="{5BA1A525-8B96-944C-9C6E-506E8D2188AE}" type="datetimeFigureOut">
               <a:rPr lang="en-US" smtClean="0"/>
-              <a:t>5/9/2021</a:t>
+              <a:t>5/10/2021</a:t>
             </a:fld>
             <a:endParaRPr lang="en-US"/>
           </a:p>
@@ -1829,7 +2095,7 @@
           <a:p>
             <a:fld id="{5BA1A525-8B96-944C-9C6E-506E8D2188AE}" type="datetimeFigureOut">
               <a:rPr lang="en-US" smtClean="0"/>
-              <a:t>5/9/2021</a:t>
+              <a:t>5/10/2021</a:t>
             </a:fld>
             <a:endParaRPr lang="en-US"/>
           </a:p>
@@ -2074,7 +2340,7 @@
           <a:p>
             <a:fld id="{5BA1A525-8B96-944C-9C6E-506E8D2188AE}" type="datetimeFigureOut">
               <a:rPr lang="en-US" smtClean="0"/>
-              <a:t>5/9/2021</a:t>
+              <a:t>5/10/2021</a:t>
             </a:fld>
             <a:endParaRPr lang="en-US"/>
           </a:p>
@@ -2359,7 +2625,7 @@
           <a:p>
             <a:fld id="{5BA1A525-8B96-944C-9C6E-506E8D2188AE}" type="datetimeFigureOut">
               <a:rPr lang="en-US" smtClean="0"/>
-              <a:t>5/9/2021</a:t>
+              <a:t>5/10/2021</a:t>
             </a:fld>
             <a:endParaRPr lang="en-US"/>
           </a:p>
@@ -2783,7 +3049,7 @@
           <a:p>
             <a:fld id="{5BA1A525-8B96-944C-9C6E-506E8D2188AE}" type="datetimeFigureOut">
               <a:rPr lang="en-US" smtClean="0"/>
-              <a:t>5/9/2021</a:t>
+              <a:t>5/10/2021</a:t>
             </a:fld>
             <a:endParaRPr lang="en-US"/>
           </a:p>
@@ -2900,7 +3166,7 @@
           <a:p>
             <a:fld id="{5BA1A525-8B96-944C-9C6E-506E8D2188AE}" type="datetimeFigureOut">
               <a:rPr lang="en-US" smtClean="0"/>
-              <a:t>5/9/2021</a:t>
+              <a:t>5/10/2021</a:t>
             </a:fld>
             <a:endParaRPr lang="en-US"/>
           </a:p>
@@ -2995,7 +3261,7 @@
           <a:p>
             <a:fld id="{5BA1A525-8B96-944C-9C6E-506E8D2188AE}" type="datetimeFigureOut">
               <a:rPr lang="en-US" smtClean="0"/>
-              <a:t>5/9/2021</a:t>
+              <a:t>5/10/2021</a:t>
             </a:fld>
             <a:endParaRPr lang="en-US"/>
           </a:p>
@@ -3270,7 +3536,7 @@
           <a:p>
             <a:fld id="{5BA1A525-8B96-944C-9C6E-506E8D2188AE}" type="datetimeFigureOut">
               <a:rPr lang="en-US" smtClean="0"/>
-              <a:t>5/9/2021</a:t>
+              <a:t>5/10/2021</a:t>
             </a:fld>
             <a:endParaRPr lang="en-US"/>
           </a:p>
@@ -3522,7 +3788,7 @@
           <a:p>
             <a:fld id="{5BA1A525-8B96-944C-9C6E-506E8D2188AE}" type="datetimeFigureOut">
               <a:rPr lang="en-US" smtClean="0"/>
-              <a:t>5/9/2021</a:t>
+              <a:t>5/10/2021</a:t>
             </a:fld>
             <a:endParaRPr lang="en-US"/>
           </a:p>
@@ -3733,7 +3999,7 @@
           <a:p>
             <a:fld id="{5BA1A525-8B96-944C-9C6E-506E8D2188AE}" type="datetimeFigureOut">
               <a:rPr lang="en-US" smtClean="0"/>
-              <a:t>5/9/2021</a:t>
+              <a:t>5/10/2021</a:t>
             </a:fld>
             <a:endParaRPr lang="en-US"/>
           </a:p>
@@ -4799,29 +5065,7 @@
                 <a:ea typeface="Interstate" charset="0"/>
                 <a:cs typeface="Helvetica" panose="020B0604020202020204" pitchFamily="34" charset="0"/>
               </a:rPr>
-              <a:t>Over the years, destructive natural disasters have adversely impacted economies, claimed lives, and damaged properties. Various literatures posit that aside from inherent [exposure] risk of countries, the prevalence of devastating </a:t>
-            </a:r>
-            <a:r>
-              <a:rPr lang="en-US" sz="3000">
-                <a:solidFill>
-                  <a:schemeClr val="tx1"/>
-                </a:solidFill>
-                <a:latin typeface="Helvetica" panose="020B0604020202020204" pitchFamily="34" charset="0"/>
-                <a:ea typeface="Interstate" charset="0"/>
-                <a:cs typeface="Helvetica" panose="020B0604020202020204" pitchFamily="34" charset="0"/>
-              </a:rPr>
-              <a:t>natural disasters is </a:t>
-            </a:r>
-            <a:r>
-              <a:rPr lang="en-US" sz="3000" dirty="0">
-                <a:solidFill>
-                  <a:schemeClr val="tx1"/>
-                </a:solidFill>
-                <a:latin typeface="Helvetica" panose="020B0604020202020204" pitchFamily="34" charset="0"/>
-                <a:ea typeface="Interstate" charset="0"/>
-                <a:cs typeface="Helvetica" panose="020B0604020202020204" pitchFamily="34" charset="0"/>
-              </a:rPr>
-              <a:t>predicated by the worsening state of the environment (climate change).</a:t>
+              <a:t>Over the years, destructive natural disasters have adversely impacted economies, claimed lives, and damaged properties. Various literatures posit that aside from inherent [exposure] risk of countries, the prevalence of devastating natural disasters is predicated by the worsening state of the environment (climate change).</a:t>
             </a:r>
           </a:p>
           <a:p>
@@ -4919,7 +5163,7 @@
                 <a:ea typeface="Interstate" charset="0"/>
                 <a:cs typeface="Helvetica" panose="020B0604020202020204" pitchFamily="34" charset="0"/>
               </a:rPr>
-              <a:t>What does the location and economic development status of a country tell about its WRI and EPI?</a:t>
+              <a:t>What does the location and/or economic development status of a country tell about its WRI and EPI?</a:t>
             </a:r>
           </a:p>
         </p:txBody>
@@ -5082,18 +5326,31 @@
                 <a:ea typeface="Interstate" charset="0"/>
                 <a:cs typeface="Helvetica" panose="020B0604020202020204" pitchFamily="34" charset="0"/>
               </a:rPr>
-              <a:t>World Risk Index (WRI) Report from 2016 to 2020</a:t>
+              <a:t>World Risk Index (WRI) Report from 2016 to 2020. </a:t>
             </a:r>
             <a:r>
               <a:rPr lang="en-US" sz="2800" dirty="0">
                 <a:solidFill>
-                  <a:schemeClr val="tx1"/>
+                  <a:schemeClr val="accent6">
+                    <a:lumMod val="75000"/>
+                  </a:schemeClr>
                 </a:solidFill>
                 <a:latin typeface="Helvetica" panose="020B0604020202020204" pitchFamily="34" charset="0"/>
                 <a:ea typeface="Interstate" charset="0"/>
                 <a:cs typeface="Helvetica" panose="020B0604020202020204" pitchFamily="34" charset="0"/>
               </a:rPr>
-              <a:t> ranked 181 countries around the word according to their risk of becoming a victim of extreme natural event. WRI is a function of Exposure and Vulnerability. Exposure refers to inherent risk of a country and Vulnerability pertains to the mean of Susceptibility, Lack of Coping Capacities, and Lack of Adaptive Capacities.</a:t>
+              <a:t>The </a:t>
+            </a:r>
+            <a:r>
+              <a:rPr lang="en-US" sz="2800" dirty="0">
+                <a:solidFill>
+                  <a:schemeClr val="tx1"/>
+                </a:solidFill>
+                <a:latin typeface="Helvetica" panose="020B0604020202020204" pitchFamily="34" charset="0"/>
+                <a:ea typeface="Interstate" charset="0"/>
+                <a:cs typeface="Helvetica" panose="020B0604020202020204" pitchFamily="34" charset="0"/>
+              </a:rPr>
+              <a:t>2020 WRI Report ranked 181 countries around the word according to their risk of becoming a victim of extreme natural event. WRI is a function of Exposure and Vulnerability. Exposure refers to inherent risk of a country and Vulnerability pertains to the mean of Susceptibility, Lack of Coping Capacities, and Lack of Adaptive Capacities.</a:t>
             </a:r>
           </a:p>
           <a:p>
@@ -6310,36 +6567,6 @@
           </a:p>
         </p:txBody>
       </p:sp>
-      <p:pic>
-        <p:nvPicPr>
-          <p:cNvPr id="55" name="Picture 54">
-            <a:extLst>
-              <a:ext uri="{FF2B5EF4-FFF2-40B4-BE49-F238E27FC236}">
-                <a16:creationId xmlns:a16="http://schemas.microsoft.com/office/drawing/2014/main" id="{0400F028-C2F3-4B7F-AF73-ED77E971D325}"/>
-              </a:ext>
-            </a:extLst>
-          </p:cNvPr>
-          <p:cNvPicPr>
-            <a:picLocks noChangeAspect="1"/>
-          </p:cNvPicPr>
-          <p:nvPr/>
-        </p:nvPicPr>
-        <p:blipFill>
-          <a:blip r:embed="rId11"/>
-          <a:stretch>
-            <a:fillRect/>
-          </a:stretch>
-        </p:blipFill>
-        <p:spPr>
-          <a:xfrm>
-            <a:off x="13528177" y="7741603"/>
-            <a:ext cx="11596203" cy="2662715"/>
-          </a:xfrm>
-          <a:prstGeom prst="rect">
-            <a:avLst/>
-          </a:prstGeom>
-        </p:spPr>
-      </p:pic>
       <p:cxnSp>
         <p:nvCxnSpPr>
           <p:cNvPr id="69" name="Straight Connector 68">
@@ -7820,10 +8047,1632 @@
           </a:fontRef>
         </p:style>
       </p:cxnSp>
+      <p:pic>
+        <p:nvPicPr>
+          <p:cNvPr id="3" name="Picture 2">
+            <a:extLst>
+              <a:ext uri="{FF2B5EF4-FFF2-40B4-BE49-F238E27FC236}">
+                <a16:creationId xmlns:a16="http://schemas.microsoft.com/office/drawing/2014/main" id="{B8F999F1-C88D-40B1-A6A5-BCA53B7B1F6F}"/>
+              </a:ext>
+            </a:extLst>
+          </p:cNvPr>
+          <p:cNvPicPr>
+            <a:picLocks noChangeAspect="1"/>
+          </p:cNvPicPr>
+          <p:nvPr/>
+        </p:nvPicPr>
+        <p:blipFill>
+          <a:blip r:embed="rId11"/>
+          <a:stretch>
+            <a:fillRect/>
+          </a:stretch>
+        </p:blipFill>
+        <p:spPr>
+          <a:xfrm>
+            <a:off x="13577525" y="7849735"/>
+            <a:ext cx="11358179" cy="2502840"/>
+          </a:xfrm>
+          <a:prstGeom prst="rect">
+            <a:avLst/>
+          </a:prstGeom>
+        </p:spPr>
+      </p:pic>
+    </p:spTree>
+    <p:extLst>
+      <p:ext uri="{BB962C8B-B14F-4D97-AF65-F5344CB8AC3E}">
+        <p14:creationId xmlns:p14="http://schemas.microsoft.com/office/powerpoint/2010/main" val="3383284293"/>
+      </p:ext>
+    </p:extLst>
+  </p:cSld>
+  <p:clrMapOvr>
+    <a:masterClrMapping/>
+  </p:clrMapOvr>
+</p:sld>
+</file>
+
+<file path=ppt/slides/slide2.xml><?xml version="1.0" encoding="utf-8"?>
+<p:sld xmlns:a="http://schemas.openxmlformats.org/drawingml/2006/main" xmlns:r="http://schemas.openxmlformats.org/officeDocument/2006/relationships" xmlns:p="http://schemas.openxmlformats.org/presentationml/2006/main">
+  <p:cSld>
+    <p:spTree>
+      <p:nvGrpSpPr>
+        <p:cNvPr id="1" name=""/>
+        <p:cNvGrpSpPr/>
+        <p:nvPr/>
+      </p:nvGrpSpPr>
+      <p:grpSpPr>
+        <a:xfrm>
+          <a:off x="0" y="0"/>
+          <a:ext cx="0" cy="0"/>
+          <a:chOff x="0" y="0"/>
+          <a:chExt cx="0" cy="0"/>
+        </a:xfrm>
+      </p:grpSpPr>
+      <p:sp>
+        <p:nvSpPr>
+          <p:cNvPr id="9" name="Text Placeholder 56"/>
+          <p:cNvSpPr txBox="1">
+            <a:spLocks/>
+          </p:cNvSpPr>
+          <p:nvPr/>
+        </p:nvSpPr>
+        <p:spPr>
+          <a:xfrm>
+            <a:off x="1219199" y="2127132"/>
+            <a:ext cx="33266743" cy="1992082"/>
+          </a:xfrm>
+          <a:prstGeom prst="rect">
+            <a:avLst/>
+          </a:prstGeom>
+        </p:spPr>
+        <p:txBody>
+          <a:bodyPr>
+            <a:noAutofit/>
+          </a:bodyPr>
+          <a:lstStyle>
+            <a:lvl1pPr marL="1528340" indent="-1528340" algn="l" defTabSz="2037786" rtl="0" eaLnBrk="1" latinLnBrk="0" hangingPunct="1">
+              <a:spcBef>
+                <a:spcPct val="20000"/>
+              </a:spcBef>
+              <a:buFont typeface="Arial"/>
+              <a:buChar char="•"/>
+              <a:defRPr sz="14300" kern="1200">
+                <a:solidFill>
+                  <a:schemeClr val="tx1"/>
+                </a:solidFill>
+                <a:latin typeface="+mn-lt"/>
+                <a:ea typeface="+mn-ea"/>
+                <a:cs typeface="+mn-cs"/>
+              </a:defRPr>
+            </a:lvl1pPr>
+            <a:lvl2pPr marL="3311402" indent="-1273616" algn="l" defTabSz="2037786" rtl="0" eaLnBrk="1" latinLnBrk="0" hangingPunct="1">
+              <a:spcBef>
+                <a:spcPct val="20000"/>
+              </a:spcBef>
+              <a:buFont typeface="Arial"/>
+              <a:buChar char="–"/>
+              <a:defRPr sz="12500" kern="1200">
+                <a:solidFill>
+                  <a:schemeClr val="tx1"/>
+                </a:solidFill>
+                <a:latin typeface="+mn-lt"/>
+                <a:ea typeface="+mn-ea"/>
+                <a:cs typeface="+mn-cs"/>
+              </a:defRPr>
+            </a:lvl2pPr>
+            <a:lvl3pPr marL="5094465" indent="-1018893" algn="l" defTabSz="2037786" rtl="0" eaLnBrk="1" latinLnBrk="0" hangingPunct="1">
+              <a:spcBef>
+                <a:spcPct val="20000"/>
+              </a:spcBef>
+              <a:buFont typeface="Arial"/>
+              <a:buChar char="•"/>
+              <a:defRPr sz="10700" kern="1200">
+                <a:solidFill>
+                  <a:schemeClr val="tx1"/>
+                </a:solidFill>
+                <a:latin typeface="+mn-lt"/>
+                <a:ea typeface="+mn-ea"/>
+                <a:cs typeface="+mn-cs"/>
+              </a:defRPr>
+            </a:lvl3pPr>
+            <a:lvl4pPr marL="7132251" indent="-1018893" algn="l" defTabSz="2037786" rtl="0" eaLnBrk="1" latinLnBrk="0" hangingPunct="1">
+              <a:spcBef>
+                <a:spcPct val="20000"/>
+              </a:spcBef>
+              <a:buFont typeface="Arial"/>
+              <a:buChar char="–"/>
+              <a:defRPr sz="8900" kern="1200">
+                <a:solidFill>
+                  <a:schemeClr val="tx1"/>
+                </a:solidFill>
+                <a:latin typeface="+mn-lt"/>
+                <a:ea typeface="+mn-ea"/>
+                <a:cs typeface="+mn-cs"/>
+              </a:defRPr>
+            </a:lvl4pPr>
+            <a:lvl5pPr marL="9170038" indent="-1018893" algn="l" defTabSz="2037786" rtl="0" eaLnBrk="1" latinLnBrk="0" hangingPunct="1">
+              <a:spcBef>
+                <a:spcPct val="20000"/>
+              </a:spcBef>
+              <a:buFont typeface="Arial"/>
+              <a:buChar char="»"/>
+              <a:defRPr sz="8900" kern="1200">
+                <a:solidFill>
+                  <a:schemeClr val="tx1"/>
+                </a:solidFill>
+                <a:latin typeface="+mn-lt"/>
+                <a:ea typeface="+mn-ea"/>
+                <a:cs typeface="+mn-cs"/>
+              </a:defRPr>
+            </a:lvl5pPr>
+            <a:lvl6pPr marL="11207824" indent="-1018893" algn="l" defTabSz="2037786" rtl="0" eaLnBrk="1" latinLnBrk="0" hangingPunct="1">
+              <a:spcBef>
+                <a:spcPct val="20000"/>
+              </a:spcBef>
+              <a:buFont typeface="Arial"/>
+              <a:buChar char="•"/>
+              <a:defRPr sz="8900" kern="1200">
+                <a:solidFill>
+                  <a:schemeClr val="tx1"/>
+                </a:solidFill>
+                <a:latin typeface="+mn-lt"/>
+                <a:ea typeface="+mn-ea"/>
+                <a:cs typeface="+mn-cs"/>
+              </a:defRPr>
+            </a:lvl6pPr>
+            <a:lvl7pPr marL="13245610" indent="-1018893" algn="l" defTabSz="2037786" rtl="0" eaLnBrk="1" latinLnBrk="0" hangingPunct="1">
+              <a:spcBef>
+                <a:spcPct val="20000"/>
+              </a:spcBef>
+              <a:buFont typeface="Arial"/>
+              <a:buChar char="•"/>
+              <a:defRPr sz="8900" kern="1200">
+                <a:solidFill>
+                  <a:schemeClr val="tx1"/>
+                </a:solidFill>
+                <a:latin typeface="+mn-lt"/>
+                <a:ea typeface="+mn-ea"/>
+                <a:cs typeface="+mn-cs"/>
+              </a:defRPr>
+            </a:lvl7pPr>
+            <a:lvl8pPr marL="15283396" indent="-1018893" algn="l" defTabSz="2037786" rtl="0" eaLnBrk="1" latinLnBrk="0" hangingPunct="1">
+              <a:spcBef>
+                <a:spcPct val="20000"/>
+              </a:spcBef>
+              <a:buFont typeface="Arial"/>
+              <a:buChar char="•"/>
+              <a:defRPr sz="8900" kern="1200">
+                <a:solidFill>
+                  <a:schemeClr val="tx1"/>
+                </a:solidFill>
+                <a:latin typeface="+mn-lt"/>
+                <a:ea typeface="+mn-ea"/>
+                <a:cs typeface="+mn-cs"/>
+              </a:defRPr>
+            </a:lvl8pPr>
+            <a:lvl9pPr marL="17321182" indent="-1018893" algn="l" defTabSz="2037786" rtl="0" eaLnBrk="1" latinLnBrk="0" hangingPunct="1">
+              <a:spcBef>
+                <a:spcPct val="20000"/>
+              </a:spcBef>
+              <a:buFont typeface="Arial"/>
+              <a:buChar char="•"/>
+              <a:defRPr sz="8900" kern="1200">
+                <a:solidFill>
+                  <a:schemeClr val="tx1"/>
+                </a:solidFill>
+                <a:latin typeface="+mn-lt"/>
+                <a:ea typeface="+mn-ea"/>
+                <a:cs typeface="+mn-cs"/>
+              </a:defRPr>
+            </a:lvl9pPr>
+          </a:lstStyle>
+          <a:p>
+            <a:pPr marL="0" indent="0">
+              <a:buNone/>
+            </a:pPr>
+            <a:r>
+              <a:rPr lang="en-US" sz="9600" b="1" dirty="0">
+                <a:solidFill>
+                  <a:srgbClr val="004A86"/>
+                </a:solidFill>
+                <a:latin typeface="Helvetica" panose="020B0604020202020204" pitchFamily="34" charset="0"/>
+                <a:ea typeface="Interstate" charset="0"/>
+                <a:cs typeface="Helvetica" panose="020B0604020202020204" pitchFamily="34" charset="0"/>
+              </a:rPr>
+              <a:t>Environmental Sustainability</a:t>
+            </a:r>
+          </a:p>
+        </p:txBody>
+      </p:sp>
+      <p:sp>
+        <p:nvSpPr>
+          <p:cNvPr id="8" name="Text Placeholder 55"/>
+          <p:cNvSpPr txBox="1">
+            <a:spLocks/>
+          </p:cNvSpPr>
+          <p:nvPr/>
+        </p:nvSpPr>
+        <p:spPr>
+          <a:xfrm>
+            <a:off x="1219199" y="3587611"/>
+            <a:ext cx="25607684" cy="752500"/>
+          </a:xfrm>
+          <a:prstGeom prst="rect">
+            <a:avLst/>
+          </a:prstGeom>
+        </p:spPr>
+        <p:txBody>
+          <a:bodyPr>
+            <a:normAutofit fontScale="85000" lnSpcReduction="10000"/>
+          </a:bodyPr>
+          <a:lstStyle>
+            <a:lvl1pPr marL="1528340" indent="-1528340" algn="l" defTabSz="2037786" rtl="0" eaLnBrk="1" latinLnBrk="0" hangingPunct="1">
+              <a:spcBef>
+                <a:spcPct val="20000"/>
+              </a:spcBef>
+              <a:buFont typeface="Arial"/>
+              <a:buChar char="•"/>
+              <a:defRPr sz="14300" kern="1200">
+                <a:solidFill>
+                  <a:schemeClr val="tx1"/>
+                </a:solidFill>
+                <a:latin typeface="+mn-lt"/>
+                <a:ea typeface="+mn-ea"/>
+                <a:cs typeface="+mn-cs"/>
+              </a:defRPr>
+            </a:lvl1pPr>
+            <a:lvl2pPr marL="3311402" indent="-1273616" algn="l" defTabSz="2037786" rtl="0" eaLnBrk="1" latinLnBrk="0" hangingPunct="1">
+              <a:spcBef>
+                <a:spcPct val="20000"/>
+              </a:spcBef>
+              <a:buFont typeface="Arial"/>
+              <a:buChar char="–"/>
+              <a:defRPr sz="12500" kern="1200">
+                <a:solidFill>
+                  <a:schemeClr val="tx1"/>
+                </a:solidFill>
+                <a:latin typeface="+mn-lt"/>
+                <a:ea typeface="+mn-ea"/>
+                <a:cs typeface="+mn-cs"/>
+              </a:defRPr>
+            </a:lvl2pPr>
+            <a:lvl3pPr marL="5094465" indent="-1018893" algn="l" defTabSz="2037786" rtl="0" eaLnBrk="1" latinLnBrk="0" hangingPunct="1">
+              <a:spcBef>
+                <a:spcPct val="20000"/>
+              </a:spcBef>
+              <a:buFont typeface="Arial"/>
+              <a:buChar char="•"/>
+              <a:defRPr sz="10700" kern="1200">
+                <a:solidFill>
+                  <a:schemeClr val="tx1"/>
+                </a:solidFill>
+                <a:latin typeface="+mn-lt"/>
+                <a:ea typeface="+mn-ea"/>
+                <a:cs typeface="+mn-cs"/>
+              </a:defRPr>
+            </a:lvl3pPr>
+            <a:lvl4pPr marL="7132251" indent="-1018893" algn="l" defTabSz="2037786" rtl="0" eaLnBrk="1" latinLnBrk="0" hangingPunct="1">
+              <a:spcBef>
+                <a:spcPct val="20000"/>
+              </a:spcBef>
+              <a:buFont typeface="Arial"/>
+              <a:buChar char="–"/>
+              <a:defRPr sz="8900" kern="1200">
+                <a:solidFill>
+                  <a:schemeClr val="tx1"/>
+                </a:solidFill>
+                <a:latin typeface="+mn-lt"/>
+                <a:ea typeface="+mn-ea"/>
+                <a:cs typeface="+mn-cs"/>
+              </a:defRPr>
+            </a:lvl4pPr>
+            <a:lvl5pPr marL="9170038" indent="-1018893" algn="l" defTabSz="2037786" rtl="0" eaLnBrk="1" latinLnBrk="0" hangingPunct="1">
+              <a:spcBef>
+                <a:spcPct val="20000"/>
+              </a:spcBef>
+              <a:buFont typeface="Arial"/>
+              <a:buChar char="»"/>
+              <a:defRPr sz="8900" kern="1200">
+                <a:solidFill>
+                  <a:schemeClr val="tx1"/>
+                </a:solidFill>
+                <a:latin typeface="+mn-lt"/>
+                <a:ea typeface="+mn-ea"/>
+                <a:cs typeface="+mn-cs"/>
+              </a:defRPr>
+            </a:lvl5pPr>
+            <a:lvl6pPr marL="11207824" indent="-1018893" algn="l" defTabSz="2037786" rtl="0" eaLnBrk="1" latinLnBrk="0" hangingPunct="1">
+              <a:spcBef>
+                <a:spcPct val="20000"/>
+              </a:spcBef>
+              <a:buFont typeface="Arial"/>
+              <a:buChar char="•"/>
+              <a:defRPr sz="8900" kern="1200">
+                <a:solidFill>
+                  <a:schemeClr val="tx1"/>
+                </a:solidFill>
+                <a:latin typeface="+mn-lt"/>
+                <a:ea typeface="+mn-ea"/>
+                <a:cs typeface="+mn-cs"/>
+              </a:defRPr>
+            </a:lvl6pPr>
+            <a:lvl7pPr marL="13245610" indent="-1018893" algn="l" defTabSz="2037786" rtl="0" eaLnBrk="1" latinLnBrk="0" hangingPunct="1">
+              <a:spcBef>
+                <a:spcPct val="20000"/>
+              </a:spcBef>
+              <a:buFont typeface="Arial"/>
+              <a:buChar char="•"/>
+              <a:defRPr sz="8900" kern="1200">
+                <a:solidFill>
+                  <a:schemeClr val="tx1"/>
+                </a:solidFill>
+                <a:latin typeface="+mn-lt"/>
+                <a:ea typeface="+mn-ea"/>
+                <a:cs typeface="+mn-cs"/>
+              </a:defRPr>
+            </a:lvl7pPr>
+            <a:lvl8pPr marL="15283396" indent="-1018893" algn="l" defTabSz="2037786" rtl="0" eaLnBrk="1" latinLnBrk="0" hangingPunct="1">
+              <a:spcBef>
+                <a:spcPct val="20000"/>
+              </a:spcBef>
+              <a:buFont typeface="Arial"/>
+              <a:buChar char="•"/>
+              <a:defRPr sz="8900" kern="1200">
+                <a:solidFill>
+                  <a:schemeClr val="tx1"/>
+                </a:solidFill>
+                <a:latin typeface="+mn-lt"/>
+                <a:ea typeface="+mn-ea"/>
+                <a:cs typeface="+mn-cs"/>
+              </a:defRPr>
+            </a:lvl8pPr>
+            <a:lvl9pPr marL="17321182" indent="-1018893" algn="l" defTabSz="2037786" rtl="0" eaLnBrk="1" latinLnBrk="0" hangingPunct="1">
+              <a:spcBef>
+                <a:spcPct val="20000"/>
+              </a:spcBef>
+              <a:buFont typeface="Arial"/>
+              <a:buChar char="•"/>
+              <a:defRPr sz="8900" kern="1200">
+                <a:solidFill>
+                  <a:schemeClr val="tx1"/>
+                </a:solidFill>
+                <a:latin typeface="+mn-lt"/>
+                <a:ea typeface="+mn-ea"/>
+                <a:cs typeface="+mn-cs"/>
+              </a:defRPr>
+            </a:lvl9pPr>
+          </a:lstStyle>
+          <a:p>
+            <a:pPr marL="0" indent="0">
+              <a:buNone/>
+            </a:pPr>
+            <a:r>
+              <a:rPr lang="en-US" sz="4400" b="1" spc="525" dirty="0">
+                <a:solidFill>
+                  <a:srgbClr val="000000"/>
+                </a:solidFill>
+                <a:latin typeface="Helvetica" panose="020B0604020202020204" pitchFamily="34" charset="0"/>
+                <a:ea typeface="Interstate" charset="0"/>
+                <a:cs typeface="Helvetica" panose="020B0604020202020204" pitchFamily="34" charset="0"/>
+              </a:rPr>
+              <a:t>JONNEL S. ACOBA</a:t>
+            </a:r>
+            <a:r>
+              <a:rPr lang="en-US" sz="4400" spc="525" dirty="0">
+                <a:solidFill>
+                  <a:srgbClr val="000000"/>
+                </a:solidFill>
+                <a:latin typeface="Helvetica" panose="020B0604020202020204" pitchFamily="34" charset="0"/>
+                <a:ea typeface="Interstate" charset="0"/>
+                <a:cs typeface="Helvetica" panose="020B0604020202020204" pitchFamily="34" charset="0"/>
+              </a:rPr>
+              <a:t>, THE MAXWELL SCHOOL OF CITIZENSHIP AND PUBLIC AFFAIRS</a:t>
+            </a:r>
+          </a:p>
+        </p:txBody>
+      </p:sp>
+      <p:pic>
+        <p:nvPicPr>
+          <p:cNvPr id="1509" name="Picture 485" descr="See the source image">
+            <a:extLst>
+              <a:ext uri="{FF2B5EF4-FFF2-40B4-BE49-F238E27FC236}">
+                <a16:creationId xmlns:a16="http://schemas.microsoft.com/office/drawing/2014/main" id="{D4E812EE-ECB1-4667-8DD3-E0DA8E664AEA}"/>
+              </a:ext>
+            </a:extLst>
+          </p:cNvPr>
+          <p:cNvPicPr>
+            <a:picLocks noChangeAspect="1" noChangeArrowheads="1"/>
+          </p:cNvPicPr>
+          <p:nvPr/>
+        </p:nvPicPr>
+        <p:blipFill>
+          <a:blip r:embed="rId3">
+            <a:extLst>
+              <a:ext uri="{28A0092B-C50C-407E-A947-70E740481C1C}">
+                <a14:useLocalDpi xmlns:a14="http://schemas.microsoft.com/office/drawing/2010/main" val="0"/>
+              </a:ext>
+            </a:extLst>
+          </a:blip>
+          <a:srcRect/>
+          <a:stretch>
+            <a:fillRect/>
+          </a:stretch>
+        </p:blipFill>
+        <p:spPr bwMode="auto">
+          <a:xfrm>
+            <a:off x="29777292" y="896680"/>
+            <a:ext cx="7620000" cy="3248025"/>
+          </a:xfrm>
+          <a:prstGeom prst="rect">
+            <a:avLst/>
+          </a:prstGeom>
+          <a:noFill/>
+          <a:extLst>
+            <a:ext uri="{909E8E84-426E-40DD-AFC4-6F175D3DCCD1}">
+              <a14:hiddenFill xmlns:a14="http://schemas.microsoft.com/office/drawing/2010/main">
+                <a:solidFill>
+                  <a:srgbClr val="FFFFFF"/>
+                </a:solidFill>
+              </a14:hiddenFill>
+            </a:ext>
+          </a:extLst>
+        </p:spPr>
+      </p:pic>
+      <p:sp>
+        <p:nvSpPr>
+          <p:cNvPr id="41" name="Text Placeholder 56">
+            <a:extLst>
+              <a:ext uri="{FF2B5EF4-FFF2-40B4-BE49-F238E27FC236}">
+                <a16:creationId xmlns:a16="http://schemas.microsoft.com/office/drawing/2014/main" id="{31941E75-9AD8-43C2-BBAA-BDFB525C1847}"/>
+              </a:ext>
+            </a:extLst>
+          </p:cNvPr>
+          <p:cNvSpPr txBox="1">
+            <a:spLocks/>
+          </p:cNvSpPr>
+          <p:nvPr/>
+        </p:nvSpPr>
+        <p:spPr>
+          <a:xfrm>
+            <a:off x="1219199" y="926618"/>
+            <a:ext cx="33266743" cy="1992082"/>
+          </a:xfrm>
+          <a:prstGeom prst="rect">
+            <a:avLst/>
+          </a:prstGeom>
+        </p:spPr>
+        <p:txBody>
+          <a:bodyPr>
+            <a:noAutofit/>
+          </a:bodyPr>
+          <a:lstStyle>
+            <a:lvl1pPr marL="1528340" indent="-1528340" algn="l" defTabSz="2037786" rtl="0" eaLnBrk="1" latinLnBrk="0" hangingPunct="1">
+              <a:spcBef>
+                <a:spcPct val="20000"/>
+              </a:spcBef>
+              <a:buFont typeface="Arial"/>
+              <a:buChar char="•"/>
+              <a:defRPr sz="14300" kern="1200">
+                <a:solidFill>
+                  <a:schemeClr val="tx1"/>
+                </a:solidFill>
+                <a:latin typeface="+mn-lt"/>
+                <a:ea typeface="+mn-ea"/>
+                <a:cs typeface="+mn-cs"/>
+              </a:defRPr>
+            </a:lvl1pPr>
+            <a:lvl2pPr marL="3311402" indent="-1273616" algn="l" defTabSz="2037786" rtl="0" eaLnBrk="1" latinLnBrk="0" hangingPunct="1">
+              <a:spcBef>
+                <a:spcPct val="20000"/>
+              </a:spcBef>
+              <a:buFont typeface="Arial"/>
+              <a:buChar char="–"/>
+              <a:defRPr sz="12500" kern="1200">
+                <a:solidFill>
+                  <a:schemeClr val="tx1"/>
+                </a:solidFill>
+                <a:latin typeface="+mn-lt"/>
+                <a:ea typeface="+mn-ea"/>
+                <a:cs typeface="+mn-cs"/>
+              </a:defRPr>
+            </a:lvl2pPr>
+            <a:lvl3pPr marL="5094465" indent="-1018893" algn="l" defTabSz="2037786" rtl="0" eaLnBrk="1" latinLnBrk="0" hangingPunct="1">
+              <a:spcBef>
+                <a:spcPct val="20000"/>
+              </a:spcBef>
+              <a:buFont typeface="Arial"/>
+              <a:buChar char="•"/>
+              <a:defRPr sz="10700" kern="1200">
+                <a:solidFill>
+                  <a:schemeClr val="tx1"/>
+                </a:solidFill>
+                <a:latin typeface="+mn-lt"/>
+                <a:ea typeface="+mn-ea"/>
+                <a:cs typeface="+mn-cs"/>
+              </a:defRPr>
+            </a:lvl3pPr>
+            <a:lvl4pPr marL="7132251" indent="-1018893" algn="l" defTabSz="2037786" rtl="0" eaLnBrk="1" latinLnBrk="0" hangingPunct="1">
+              <a:spcBef>
+                <a:spcPct val="20000"/>
+              </a:spcBef>
+              <a:buFont typeface="Arial"/>
+              <a:buChar char="–"/>
+              <a:defRPr sz="8900" kern="1200">
+                <a:solidFill>
+                  <a:schemeClr val="tx1"/>
+                </a:solidFill>
+                <a:latin typeface="+mn-lt"/>
+                <a:ea typeface="+mn-ea"/>
+                <a:cs typeface="+mn-cs"/>
+              </a:defRPr>
+            </a:lvl4pPr>
+            <a:lvl5pPr marL="9170038" indent="-1018893" algn="l" defTabSz="2037786" rtl="0" eaLnBrk="1" latinLnBrk="0" hangingPunct="1">
+              <a:spcBef>
+                <a:spcPct val="20000"/>
+              </a:spcBef>
+              <a:buFont typeface="Arial"/>
+              <a:buChar char="»"/>
+              <a:defRPr sz="8900" kern="1200">
+                <a:solidFill>
+                  <a:schemeClr val="tx1"/>
+                </a:solidFill>
+                <a:latin typeface="+mn-lt"/>
+                <a:ea typeface="+mn-ea"/>
+                <a:cs typeface="+mn-cs"/>
+              </a:defRPr>
+            </a:lvl5pPr>
+            <a:lvl6pPr marL="11207824" indent="-1018893" algn="l" defTabSz="2037786" rtl="0" eaLnBrk="1" latinLnBrk="0" hangingPunct="1">
+              <a:spcBef>
+                <a:spcPct val="20000"/>
+              </a:spcBef>
+              <a:buFont typeface="Arial"/>
+              <a:buChar char="•"/>
+              <a:defRPr sz="8900" kern="1200">
+                <a:solidFill>
+                  <a:schemeClr val="tx1"/>
+                </a:solidFill>
+                <a:latin typeface="+mn-lt"/>
+                <a:ea typeface="+mn-ea"/>
+                <a:cs typeface="+mn-cs"/>
+              </a:defRPr>
+            </a:lvl6pPr>
+            <a:lvl7pPr marL="13245610" indent="-1018893" algn="l" defTabSz="2037786" rtl="0" eaLnBrk="1" latinLnBrk="0" hangingPunct="1">
+              <a:spcBef>
+                <a:spcPct val="20000"/>
+              </a:spcBef>
+              <a:buFont typeface="Arial"/>
+              <a:buChar char="•"/>
+              <a:defRPr sz="8900" kern="1200">
+                <a:solidFill>
+                  <a:schemeClr val="tx1"/>
+                </a:solidFill>
+                <a:latin typeface="+mn-lt"/>
+                <a:ea typeface="+mn-ea"/>
+                <a:cs typeface="+mn-cs"/>
+              </a:defRPr>
+            </a:lvl7pPr>
+            <a:lvl8pPr marL="15283396" indent="-1018893" algn="l" defTabSz="2037786" rtl="0" eaLnBrk="1" latinLnBrk="0" hangingPunct="1">
+              <a:spcBef>
+                <a:spcPct val="20000"/>
+              </a:spcBef>
+              <a:buFont typeface="Arial"/>
+              <a:buChar char="•"/>
+              <a:defRPr sz="8900" kern="1200">
+                <a:solidFill>
+                  <a:schemeClr val="tx1"/>
+                </a:solidFill>
+                <a:latin typeface="+mn-lt"/>
+                <a:ea typeface="+mn-ea"/>
+                <a:cs typeface="+mn-cs"/>
+              </a:defRPr>
+            </a:lvl8pPr>
+            <a:lvl9pPr marL="17321182" indent="-1018893" algn="l" defTabSz="2037786" rtl="0" eaLnBrk="1" latinLnBrk="0" hangingPunct="1">
+              <a:spcBef>
+                <a:spcPct val="20000"/>
+              </a:spcBef>
+              <a:buFont typeface="Arial"/>
+              <a:buChar char="•"/>
+              <a:defRPr sz="8900" kern="1200">
+                <a:solidFill>
+                  <a:schemeClr val="tx1"/>
+                </a:solidFill>
+                <a:latin typeface="+mn-lt"/>
+                <a:ea typeface="+mn-ea"/>
+                <a:cs typeface="+mn-cs"/>
+              </a:defRPr>
+            </a:lvl9pPr>
+          </a:lstStyle>
+          <a:p>
+            <a:pPr marL="0" indent="0">
+              <a:buNone/>
+            </a:pPr>
+            <a:r>
+              <a:rPr lang="en-US" sz="9600" b="1" dirty="0">
+                <a:solidFill>
+                  <a:srgbClr val="004A86"/>
+                </a:solidFill>
+                <a:latin typeface="Helvetica" panose="020B0604020202020204" pitchFamily="34" charset="0"/>
+                <a:ea typeface="Interstate" charset="0"/>
+                <a:cs typeface="Helvetica" panose="020B0604020202020204" pitchFamily="34" charset="0"/>
+              </a:rPr>
+              <a:t>Linking Disaster Risk and</a:t>
+            </a:r>
+          </a:p>
+        </p:txBody>
+      </p:sp>
+      <p:pic>
+        <p:nvPicPr>
+          <p:cNvPr id="10" name="Picture 9">
+            <a:extLst>
+              <a:ext uri="{FF2B5EF4-FFF2-40B4-BE49-F238E27FC236}">
+                <a16:creationId xmlns:a16="http://schemas.microsoft.com/office/drawing/2014/main" id="{803B527E-56EF-4A40-B430-45FB25EA3448}"/>
+              </a:ext>
+            </a:extLst>
+          </p:cNvPr>
+          <p:cNvPicPr>
+            <a:picLocks noChangeAspect="1"/>
+          </p:cNvPicPr>
+          <p:nvPr/>
+        </p:nvPicPr>
+        <p:blipFill rotWithShape="1">
+          <a:blip r:embed="rId4"/>
+          <a:srcRect t="6124" b="7209"/>
+          <a:stretch/>
+        </p:blipFill>
+        <p:spPr>
+          <a:xfrm>
+            <a:off x="48027" y="5266729"/>
+            <a:ext cx="38404800" cy="23536871"/>
+          </a:xfrm>
+          <a:prstGeom prst="rect">
+            <a:avLst/>
+          </a:prstGeom>
+        </p:spPr>
+      </p:pic>
+      <p:sp>
+        <p:nvSpPr>
+          <p:cNvPr id="40" name="Text Placeholder 2">
+            <a:extLst>
+              <a:ext uri="{FF2B5EF4-FFF2-40B4-BE49-F238E27FC236}">
+                <a16:creationId xmlns:a16="http://schemas.microsoft.com/office/drawing/2014/main" id="{1CECEFA7-E55D-448F-925A-243B36A2391D}"/>
+              </a:ext>
+            </a:extLst>
+          </p:cNvPr>
+          <p:cNvSpPr txBox="1">
+            <a:spLocks/>
+          </p:cNvSpPr>
+          <p:nvPr/>
+        </p:nvSpPr>
+        <p:spPr>
+          <a:xfrm>
+            <a:off x="25771349" y="26906795"/>
+            <a:ext cx="11430000" cy="1000125"/>
+          </a:xfrm>
+          <a:prstGeom prst="rect">
+            <a:avLst/>
+          </a:prstGeom>
+          <a:solidFill>
+            <a:srgbClr val="FF9900"/>
+          </a:solidFill>
+          <a:ln>
+            <a:noFill/>
+          </a:ln>
+        </p:spPr>
+        <p:txBody>
+          <a:bodyPr vert="horz" lIns="0" tIns="178307" rIns="0" bIns="178307" rtlCol="0" anchor="ctr"/>
+          <a:lstStyle>
+            <a:defPPr>
+              <a:defRPr lang="en-US"/>
+            </a:defPPr>
+            <a:lvl1pPr marL="0" algn="ctr" defTabSz="2037786" rtl="0" eaLnBrk="1" latinLnBrk="0" hangingPunct="1">
+              <a:defRPr sz="5300" kern="1200">
+                <a:solidFill>
+                  <a:schemeClr val="tx1">
+                    <a:tint val="75000"/>
+                  </a:schemeClr>
+                </a:solidFill>
+                <a:latin typeface="+mn-lt"/>
+                <a:ea typeface="+mn-ea"/>
+                <a:cs typeface="+mn-cs"/>
+              </a:defRPr>
+            </a:lvl1pPr>
+            <a:lvl2pPr marL="2037786" algn="l" defTabSz="2037786" rtl="0" eaLnBrk="1" latinLnBrk="0" hangingPunct="1">
+              <a:defRPr sz="8000" kern="1200">
+                <a:solidFill>
+                  <a:schemeClr val="tx1"/>
+                </a:solidFill>
+                <a:latin typeface="+mn-lt"/>
+                <a:ea typeface="+mn-ea"/>
+                <a:cs typeface="+mn-cs"/>
+              </a:defRPr>
+            </a:lvl2pPr>
+            <a:lvl3pPr marL="4075572" algn="l" defTabSz="2037786" rtl="0" eaLnBrk="1" latinLnBrk="0" hangingPunct="1">
+              <a:defRPr sz="8000" kern="1200">
+                <a:solidFill>
+                  <a:schemeClr val="tx1"/>
+                </a:solidFill>
+                <a:latin typeface="+mn-lt"/>
+                <a:ea typeface="+mn-ea"/>
+                <a:cs typeface="+mn-cs"/>
+              </a:defRPr>
+            </a:lvl3pPr>
+            <a:lvl4pPr marL="6113358" algn="l" defTabSz="2037786" rtl="0" eaLnBrk="1" latinLnBrk="0" hangingPunct="1">
+              <a:defRPr sz="8000" kern="1200">
+                <a:solidFill>
+                  <a:schemeClr val="tx1"/>
+                </a:solidFill>
+                <a:latin typeface="+mn-lt"/>
+                <a:ea typeface="+mn-ea"/>
+                <a:cs typeface="+mn-cs"/>
+              </a:defRPr>
+            </a:lvl4pPr>
+            <a:lvl5pPr marL="8151144" algn="l" defTabSz="2037786" rtl="0" eaLnBrk="1" latinLnBrk="0" hangingPunct="1">
+              <a:defRPr sz="8000" kern="1200">
+                <a:solidFill>
+                  <a:schemeClr val="tx1"/>
+                </a:solidFill>
+                <a:latin typeface="+mn-lt"/>
+                <a:ea typeface="+mn-ea"/>
+                <a:cs typeface="+mn-cs"/>
+              </a:defRPr>
+            </a:lvl5pPr>
+            <a:lvl6pPr marL="10188931" algn="l" defTabSz="2037786" rtl="0" eaLnBrk="1" latinLnBrk="0" hangingPunct="1">
+              <a:defRPr sz="8000" kern="1200">
+                <a:solidFill>
+                  <a:schemeClr val="tx1"/>
+                </a:solidFill>
+                <a:latin typeface="+mn-lt"/>
+                <a:ea typeface="+mn-ea"/>
+                <a:cs typeface="+mn-cs"/>
+              </a:defRPr>
+            </a:lvl6pPr>
+            <a:lvl7pPr marL="12226717" algn="l" defTabSz="2037786" rtl="0" eaLnBrk="1" latinLnBrk="0" hangingPunct="1">
+              <a:defRPr sz="8000" kern="1200">
+                <a:solidFill>
+                  <a:schemeClr val="tx1"/>
+                </a:solidFill>
+                <a:latin typeface="+mn-lt"/>
+                <a:ea typeface="+mn-ea"/>
+                <a:cs typeface="+mn-cs"/>
+              </a:defRPr>
+            </a:lvl7pPr>
+            <a:lvl8pPr marL="14264503" algn="l" defTabSz="2037786" rtl="0" eaLnBrk="1" latinLnBrk="0" hangingPunct="1">
+              <a:defRPr sz="8000" kern="1200">
+                <a:solidFill>
+                  <a:schemeClr val="tx1"/>
+                </a:solidFill>
+                <a:latin typeface="+mn-lt"/>
+                <a:ea typeface="+mn-ea"/>
+                <a:cs typeface="+mn-cs"/>
+              </a:defRPr>
+            </a:lvl8pPr>
+            <a:lvl9pPr marL="16302289" algn="l" defTabSz="2037786" rtl="0" eaLnBrk="1" latinLnBrk="0" hangingPunct="1">
+              <a:defRPr sz="8000" kern="1200">
+                <a:solidFill>
+                  <a:schemeClr val="tx1"/>
+                </a:solidFill>
+                <a:latin typeface="+mn-lt"/>
+                <a:ea typeface="+mn-ea"/>
+                <a:cs typeface="+mn-cs"/>
+              </a:defRPr>
+            </a:lvl9pPr>
+          </a:lstStyle>
+          <a:p>
+            <a:r>
+              <a:rPr lang="en-US" sz="4400" b="1" cap="all" spc="525" dirty="0">
+                <a:solidFill>
+                  <a:schemeClr val="tx2">
+                    <a:lumMod val="75000"/>
+                  </a:schemeClr>
+                </a:solidFill>
+                <a:latin typeface="Helvetica" panose="020B0604020202020204" pitchFamily="34" charset="0"/>
+                <a:ea typeface="Interstate" charset="0"/>
+                <a:cs typeface="Helvetica" panose="020B0604020202020204" pitchFamily="34" charset="0"/>
+              </a:rPr>
+              <a:t>WORLD RISK INDEX</a:t>
+            </a:r>
+          </a:p>
+        </p:txBody>
+      </p:sp>
     </p:spTree>
     <p:extLst>
       <p:ext uri="{BB962C8B-B14F-4D97-AF65-F5344CB8AC3E}">
         <p14:creationId xmlns:p14="http://schemas.microsoft.com/office/powerpoint/2010/main" val="2242600264"/>
+      </p:ext>
+    </p:extLst>
+  </p:cSld>
+  <p:clrMapOvr>
+    <a:masterClrMapping/>
+  </p:clrMapOvr>
+</p:sld>
+</file>
+
+<file path=ppt/slides/slide3.xml><?xml version="1.0" encoding="utf-8"?>
+<p:sld xmlns:a="http://schemas.openxmlformats.org/drawingml/2006/main" xmlns:r="http://schemas.openxmlformats.org/officeDocument/2006/relationships" xmlns:p="http://schemas.openxmlformats.org/presentationml/2006/main">
+  <p:cSld>
+    <p:spTree>
+      <p:nvGrpSpPr>
+        <p:cNvPr id="1" name=""/>
+        <p:cNvGrpSpPr/>
+        <p:nvPr/>
+      </p:nvGrpSpPr>
+      <p:grpSpPr>
+        <a:xfrm>
+          <a:off x="0" y="0"/>
+          <a:ext cx="0" cy="0"/>
+          <a:chOff x="0" y="0"/>
+          <a:chExt cx="0" cy="0"/>
+        </a:xfrm>
+      </p:grpSpPr>
+      <p:sp>
+        <p:nvSpPr>
+          <p:cNvPr id="9" name="Text Placeholder 56"/>
+          <p:cNvSpPr txBox="1">
+            <a:spLocks/>
+          </p:cNvSpPr>
+          <p:nvPr/>
+        </p:nvSpPr>
+        <p:spPr>
+          <a:xfrm>
+            <a:off x="1219199" y="2127132"/>
+            <a:ext cx="33266743" cy="1992082"/>
+          </a:xfrm>
+          <a:prstGeom prst="rect">
+            <a:avLst/>
+          </a:prstGeom>
+        </p:spPr>
+        <p:txBody>
+          <a:bodyPr>
+            <a:noAutofit/>
+          </a:bodyPr>
+          <a:lstStyle>
+            <a:lvl1pPr marL="1528340" indent="-1528340" algn="l" defTabSz="2037786" rtl="0" eaLnBrk="1" latinLnBrk="0" hangingPunct="1">
+              <a:spcBef>
+                <a:spcPct val="20000"/>
+              </a:spcBef>
+              <a:buFont typeface="Arial"/>
+              <a:buChar char="•"/>
+              <a:defRPr sz="14300" kern="1200">
+                <a:solidFill>
+                  <a:schemeClr val="tx1"/>
+                </a:solidFill>
+                <a:latin typeface="+mn-lt"/>
+                <a:ea typeface="+mn-ea"/>
+                <a:cs typeface="+mn-cs"/>
+              </a:defRPr>
+            </a:lvl1pPr>
+            <a:lvl2pPr marL="3311402" indent="-1273616" algn="l" defTabSz="2037786" rtl="0" eaLnBrk="1" latinLnBrk="0" hangingPunct="1">
+              <a:spcBef>
+                <a:spcPct val="20000"/>
+              </a:spcBef>
+              <a:buFont typeface="Arial"/>
+              <a:buChar char="–"/>
+              <a:defRPr sz="12500" kern="1200">
+                <a:solidFill>
+                  <a:schemeClr val="tx1"/>
+                </a:solidFill>
+                <a:latin typeface="+mn-lt"/>
+                <a:ea typeface="+mn-ea"/>
+                <a:cs typeface="+mn-cs"/>
+              </a:defRPr>
+            </a:lvl2pPr>
+            <a:lvl3pPr marL="5094465" indent="-1018893" algn="l" defTabSz="2037786" rtl="0" eaLnBrk="1" latinLnBrk="0" hangingPunct="1">
+              <a:spcBef>
+                <a:spcPct val="20000"/>
+              </a:spcBef>
+              <a:buFont typeface="Arial"/>
+              <a:buChar char="•"/>
+              <a:defRPr sz="10700" kern="1200">
+                <a:solidFill>
+                  <a:schemeClr val="tx1"/>
+                </a:solidFill>
+                <a:latin typeface="+mn-lt"/>
+                <a:ea typeface="+mn-ea"/>
+                <a:cs typeface="+mn-cs"/>
+              </a:defRPr>
+            </a:lvl3pPr>
+            <a:lvl4pPr marL="7132251" indent="-1018893" algn="l" defTabSz="2037786" rtl="0" eaLnBrk="1" latinLnBrk="0" hangingPunct="1">
+              <a:spcBef>
+                <a:spcPct val="20000"/>
+              </a:spcBef>
+              <a:buFont typeface="Arial"/>
+              <a:buChar char="–"/>
+              <a:defRPr sz="8900" kern="1200">
+                <a:solidFill>
+                  <a:schemeClr val="tx1"/>
+                </a:solidFill>
+                <a:latin typeface="+mn-lt"/>
+                <a:ea typeface="+mn-ea"/>
+                <a:cs typeface="+mn-cs"/>
+              </a:defRPr>
+            </a:lvl4pPr>
+            <a:lvl5pPr marL="9170038" indent="-1018893" algn="l" defTabSz="2037786" rtl="0" eaLnBrk="1" latinLnBrk="0" hangingPunct="1">
+              <a:spcBef>
+                <a:spcPct val="20000"/>
+              </a:spcBef>
+              <a:buFont typeface="Arial"/>
+              <a:buChar char="»"/>
+              <a:defRPr sz="8900" kern="1200">
+                <a:solidFill>
+                  <a:schemeClr val="tx1"/>
+                </a:solidFill>
+                <a:latin typeface="+mn-lt"/>
+                <a:ea typeface="+mn-ea"/>
+                <a:cs typeface="+mn-cs"/>
+              </a:defRPr>
+            </a:lvl5pPr>
+            <a:lvl6pPr marL="11207824" indent="-1018893" algn="l" defTabSz="2037786" rtl="0" eaLnBrk="1" latinLnBrk="0" hangingPunct="1">
+              <a:spcBef>
+                <a:spcPct val="20000"/>
+              </a:spcBef>
+              <a:buFont typeface="Arial"/>
+              <a:buChar char="•"/>
+              <a:defRPr sz="8900" kern="1200">
+                <a:solidFill>
+                  <a:schemeClr val="tx1"/>
+                </a:solidFill>
+                <a:latin typeface="+mn-lt"/>
+                <a:ea typeface="+mn-ea"/>
+                <a:cs typeface="+mn-cs"/>
+              </a:defRPr>
+            </a:lvl6pPr>
+            <a:lvl7pPr marL="13245610" indent="-1018893" algn="l" defTabSz="2037786" rtl="0" eaLnBrk="1" latinLnBrk="0" hangingPunct="1">
+              <a:spcBef>
+                <a:spcPct val="20000"/>
+              </a:spcBef>
+              <a:buFont typeface="Arial"/>
+              <a:buChar char="•"/>
+              <a:defRPr sz="8900" kern="1200">
+                <a:solidFill>
+                  <a:schemeClr val="tx1"/>
+                </a:solidFill>
+                <a:latin typeface="+mn-lt"/>
+                <a:ea typeface="+mn-ea"/>
+                <a:cs typeface="+mn-cs"/>
+              </a:defRPr>
+            </a:lvl7pPr>
+            <a:lvl8pPr marL="15283396" indent="-1018893" algn="l" defTabSz="2037786" rtl="0" eaLnBrk="1" latinLnBrk="0" hangingPunct="1">
+              <a:spcBef>
+                <a:spcPct val="20000"/>
+              </a:spcBef>
+              <a:buFont typeface="Arial"/>
+              <a:buChar char="•"/>
+              <a:defRPr sz="8900" kern="1200">
+                <a:solidFill>
+                  <a:schemeClr val="tx1"/>
+                </a:solidFill>
+                <a:latin typeface="+mn-lt"/>
+                <a:ea typeface="+mn-ea"/>
+                <a:cs typeface="+mn-cs"/>
+              </a:defRPr>
+            </a:lvl8pPr>
+            <a:lvl9pPr marL="17321182" indent="-1018893" algn="l" defTabSz="2037786" rtl="0" eaLnBrk="1" latinLnBrk="0" hangingPunct="1">
+              <a:spcBef>
+                <a:spcPct val="20000"/>
+              </a:spcBef>
+              <a:buFont typeface="Arial"/>
+              <a:buChar char="•"/>
+              <a:defRPr sz="8900" kern="1200">
+                <a:solidFill>
+                  <a:schemeClr val="tx1"/>
+                </a:solidFill>
+                <a:latin typeface="+mn-lt"/>
+                <a:ea typeface="+mn-ea"/>
+                <a:cs typeface="+mn-cs"/>
+              </a:defRPr>
+            </a:lvl9pPr>
+          </a:lstStyle>
+          <a:p>
+            <a:pPr marL="0" indent="0">
+              <a:buNone/>
+            </a:pPr>
+            <a:r>
+              <a:rPr lang="en-US" sz="9600" b="1" dirty="0">
+                <a:solidFill>
+                  <a:srgbClr val="004A86"/>
+                </a:solidFill>
+                <a:latin typeface="Helvetica" panose="020B0604020202020204" pitchFamily="34" charset="0"/>
+                <a:ea typeface="Interstate" charset="0"/>
+                <a:cs typeface="Helvetica" panose="020B0604020202020204" pitchFamily="34" charset="0"/>
+              </a:rPr>
+              <a:t>Environmental Sustainability</a:t>
+            </a:r>
+          </a:p>
+        </p:txBody>
+      </p:sp>
+      <p:sp>
+        <p:nvSpPr>
+          <p:cNvPr id="8" name="Text Placeholder 55"/>
+          <p:cNvSpPr txBox="1">
+            <a:spLocks/>
+          </p:cNvSpPr>
+          <p:nvPr/>
+        </p:nvSpPr>
+        <p:spPr>
+          <a:xfrm>
+            <a:off x="1219199" y="3587611"/>
+            <a:ext cx="25607684" cy="752500"/>
+          </a:xfrm>
+          <a:prstGeom prst="rect">
+            <a:avLst/>
+          </a:prstGeom>
+        </p:spPr>
+        <p:txBody>
+          <a:bodyPr>
+            <a:normAutofit fontScale="85000" lnSpcReduction="10000"/>
+          </a:bodyPr>
+          <a:lstStyle>
+            <a:lvl1pPr marL="1528340" indent="-1528340" algn="l" defTabSz="2037786" rtl="0" eaLnBrk="1" latinLnBrk="0" hangingPunct="1">
+              <a:spcBef>
+                <a:spcPct val="20000"/>
+              </a:spcBef>
+              <a:buFont typeface="Arial"/>
+              <a:buChar char="•"/>
+              <a:defRPr sz="14300" kern="1200">
+                <a:solidFill>
+                  <a:schemeClr val="tx1"/>
+                </a:solidFill>
+                <a:latin typeface="+mn-lt"/>
+                <a:ea typeface="+mn-ea"/>
+                <a:cs typeface="+mn-cs"/>
+              </a:defRPr>
+            </a:lvl1pPr>
+            <a:lvl2pPr marL="3311402" indent="-1273616" algn="l" defTabSz="2037786" rtl="0" eaLnBrk="1" latinLnBrk="0" hangingPunct="1">
+              <a:spcBef>
+                <a:spcPct val="20000"/>
+              </a:spcBef>
+              <a:buFont typeface="Arial"/>
+              <a:buChar char="–"/>
+              <a:defRPr sz="12500" kern="1200">
+                <a:solidFill>
+                  <a:schemeClr val="tx1"/>
+                </a:solidFill>
+                <a:latin typeface="+mn-lt"/>
+                <a:ea typeface="+mn-ea"/>
+                <a:cs typeface="+mn-cs"/>
+              </a:defRPr>
+            </a:lvl2pPr>
+            <a:lvl3pPr marL="5094465" indent="-1018893" algn="l" defTabSz="2037786" rtl="0" eaLnBrk="1" latinLnBrk="0" hangingPunct="1">
+              <a:spcBef>
+                <a:spcPct val="20000"/>
+              </a:spcBef>
+              <a:buFont typeface="Arial"/>
+              <a:buChar char="•"/>
+              <a:defRPr sz="10700" kern="1200">
+                <a:solidFill>
+                  <a:schemeClr val="tx1"/>
+                </a:solidFill>
+                <a:latin typeface="+mn-lt"/>
+                <a:ea typeface="+mn-ea"/>
+                <a:cs typeface="+mn-cs"/>
+              </a:defRPr>
+            </a:lvl3pPr>
+            <a:lvl4pPr marL="7132251" indent="-1018893" algn="l" defTabSz="2037786" rtl="0" eaLnBrk="1" latinLnBrk="0" hangingPunct="1">
+              <a:spcBef>
+                <a:spcPct val="20000"/>
+              </a:spcBef>
+              <a:buFont typeface="Arial"/>
+              <a:buChar char="–"/>
+              <a:defRPr sz="8900" kern="1200">
+                <a:solidFill>
+                  <a:schemeClr val="tx1"/>
+                </a:solidFill>
+                <a:latin typeface="+mn-lt"/>
+                <a:ea typeface="+mn-ea"/>
+                <a:cs typeface="+mn-cs"/>
+              </a:defRPr>
+            </a:lvl4pPr>
+            <a:lvl5pPr marL="9170038" indent="-1018893" algn="l" defTabSz="2037786" rtl="0" eaLnBrk="1" latinLnBrk="0" hangingPunct="1">
+              <a:spcBef>
+                <a:spcPct val="20000"/>
+              </a:spcBef>
+              <a:buFont typeface="Arial"/>
+              <a:buChar char="»"/>
+              <a:defRPr sz="8900" kern="1200">
+                <a:solidFill>
+                  <a:schemeClr val="tx1"/>
+                </a:solidFill>
+                <a:latin typeface="+mn-lt"/>
+                <a:ea typeface="+mn-ea"/>
+                <a:cs typeface="+mn-cs"/>
+              </a:defRPr>
+            </a:lvl5pPr>
+            <a:lvl6pPr marL="11207824" indent="-1018893" algn="l" defTabSz="2037786" rtl="0" eaLnBrk="1" latinLnBrk="0" hangingPunct="1">
+              <a:spcBef>
+                <a:spcPct val="20000"/>
+              </a:spcBef>
+              <a:buFont typeface="Arial"/>
+              <a:buChar char="•"/>
+              <a:defRPr sz="8900" kern="1200">
+                <a:solidFill>
+                  <a:schemeClr val="tx1"/>
+                </a:solidFill>
+                <a:latin typeface="+mn-lt"/>
+                <a:ea typeface="+mn-ea"/>
+                <a:cs typeface="+mn-cs"/>
+              </a:defRPr>
+            </a:lvl6pPr>
+            <a:lvl7pPr marL="13245610" indent="-1018893" algn="l" defTabSz="2037786" rtl="0" eaLnBrk="1" latinLnBrk="0" hangingPunct="1">
+              <a:spcBef>
+                <a:spcPct val="20000"/>
+              </a:spcBef>
+              <a:buFont typeface="Arial"/>
+              <a:buChar char="•"/>
+              <a:defRPr sz="8900" kern="1200">
+                <a:solidFill>
+                  <a:schemeClr val="tx1"/>
+                </a:solidFill>
+                <a:latin typeface="+mn-lt"/>
+                <a:ea typeface="+mn-ea"/>
+                <a:cs typeface="+mn-cs"/>
+              </a:defRPr>
+            </a:lvl7pPr>
+            <a:lvl8pPr marL="15283396" indent="-1018893" algn="l" defTabSz="2037786" rtl="0" eaLnBrk="1" latinLnBrk="0" hangingPunct="1">
+              <a:spcBef>
+                <a:spcPct val="20000"/>
+              </a:spcBef>
+              <a:buFont typeface="Arial"/>
+              <a:buChar char="•"/>
+              <a:defRPr sz="8900" kern="1200">
+                <a:solidFill>
+                  <a:schemeClr val="tx1"/>
+                </a:solidFill>
+                <a:latin typeface="+mn-lt"/>
+                <a:ea typeface="+mn-ea"/>
+                <a:cs typeface="+mn-cs"/>
+              </a:defRPr>
+            </a:lvl8pPr>
+            <a:lvl9pPr marL="17321182" indent="-1018893" algn="l" defTabSz="2037786" rtl="0" eaLnBrk="1" latinLnBrk="0" hangingPunct="1">
+              <a:spcBef>
+                <a:spcPct val="20000"/>
+              </a:spcBef>
+              <a:buFont typeface="Arial"/>
+              <a:buChar char="•"/>
+              <a:defRPr sz="8900" kern="1200">
+                <a:solidFill>
+                  <a:schemeClr val="tx1"/>
+                </a:solidFill>
+                <a:latin typeface="+mn-lt"/>
+                <a:ea typeface="+mn-ea"/>
+                <a:cs typeface="+mn-cs"/>
+              </a:defRPr>
+            </a:lvl9pPr>
+          </a:lstStyle>
+          <a:p>
+            <a:pPr marL="0" indent="0">
+              <a:buNone/>
+            </a:pPr>
+            <a:r>
+              <a:rPr lang="en-US" sz="4400" b="1" spc="525" dirty="0">
+                <a:solidFill>
+                  <a:srgbClr val="000000"/>
+                </a:solidFill>
+                <a:latin typeface="Helvetica" panose="020B0604020202020204" pitchFamily="34" charset="0"/>
+                <a:ea typeface="Interstate" charset="0"/>
+                <a:cs typeface="Helvetica" panose="020B0604020202020204" pitchFamily="34" charset="0"/>
+              </a:rPr>
+              <a:t>JONNEL S. ACOBA</a:t>
+            </a:r>
+            <a:r>
+              <a:rPr lang="en-US" sz="4400" spc="525" dirty="0">
+                <a:solidFill>
+                  <a:srgbClr val="000000"/>
+                </a:solidFill>
+                <a:latin typeface="Helvetica" panose="020B0604020202020204" pitchFamily="34" charset="0"/>
+                <a:ea typeface="Interstate" charset="0"/>
+                <a:cs typeface="Helvetica" panose="020B0604020202020204" pitchFamily="34" charset="0"/>
+              </a:rPr>
+              <a:t>, THE MAXWELL SCHOOL OF CITIZENSHIP AND PUBLIC AFFAIRS</a:t>
+            </a:r>
+          </a:p>
+        </p:txBody>
+      </p:sp>
+      <p:pic>
+        <p:nvPicPr>
+          <p:cNvPr id="1509" name="Picture 485" descr="See the source image">
+            <a:extLst>
+              <a:ext uri="{FF2B5EF4-FFF2-40B4-BE49-F238E27FC236}">
+                <a16:creationId xmlns:a16="http://schemas.microsoft.com/office/drawing/2014/main" id="{D4E812EE-ECB1-4667-8DD3-E0DA8E664AEA}"/>
+              </a:ext>
+            </a:extLst>
+          </p:cNvPr>
+          <p:cNvPicPr>
+            <a:picLocks noChangeAspect="1" noChangeArrowheads="1"/>
+          </p:cNvPicPr>
+          <p:nvPr/>
+        </p:nvPicPr>
+        <p:blipFill>
+          <a:blip r:embed="rId3">
+            <a:extLst>
+              <a:ext uri="{28A0092B-C50C-407E-A947-70E740481C1C}">
+                <a14:useLocalDpi xmlns:a14="http://schemas.microsoft.com/office/drawing/2010/main" val="0"/>
+              </a:ext>
+            </a:extLst>
+          </a:blip>
+          <a:srcRect/>
+          <a:stretch>
+            <a:fillRect/>
+          </a:stretch>
+        </p:blipFill>
+        <p:spPr bwMode="auto">
+          <a:xfrm>
+            <a:off x="29777292" y="896680"/>
+            <a:ext cx="7620000" cy="3248025"/>
+          </a:xfrm>
+          <a:prstGeom prst="rect">
+            <a:avLst/>
+          </a:prstGeom>
+          <a:noFill/>
+          <a:extLst>
+            <a:ext uri="{909E8E84-426E-40DD-AFC4-6F175D3DCCD1}">
+              <a14:hiddenFill xmlns:a14="http://schemas.microsoft.com/office/drawing/2010/main">
+                <a:solidFill>
+                  <a:srgbClr val="FFFFFF"/>
+                </a:solidFill>
+              </a14:hiddenFill>
+            </a:ext>
+          </a:extLst>
+        </p:spPr>
+      </p:pic>
+      <p:sp>
+        <p:nvSpPr>
+          <p:cNvPr id="41" name="Text Placeholder 56">
+            <a:extLst>
+              <a:ext uri="{FF2B5EF4-FFF2-40B4-BE49-F238E27FC236}">
+                <a16:creationId xmlns:a16="http://schemas.microsoft.com/office/drawing/2014/main" id="{31941E75-9AD8-43C2-BBAA-BDFB525C1847}"/>
+              </a:ext>
+            </a:extLst>
+          </p:cNvPr>
+          <p:cNvSpPr txBox="1">
+            <a:spLocks/>
+          </p:cNvSpPr>
+          <p:nvPr/>
+        </p:nvSpPr>
+        <p:spPr>
+          <a:xfrm>
+            <a:off x="1219199" y="926618"/>
+            <a:ext cx="33266743" cy="1992082"/>
+          </a:xfrm>
+          <a:prstGeom prst="rect">
+            <a:avLst/>
+          </a:prstGeom>
+        </p:spPr>
+        <p:txBody>
+          <a:bodyPr>
+            <a:noAutofit/>
+          </a:bodyPr>
+          <a:lstStyle>
+            <a:lvl1pPr marL="1528340" indent="-1528340" algn="l" defTabSz="2037786" rtl="0" eaLnBrk="1" latinLnBrk="0" hangingPunct="1">
+              <a:spcBef>
+                <a:spcPct val="20000"/>
+              </a:spcBef>
+              <a:buFont typeface="Arial"/>
+              <a:buChar char="•"/>
+              <a:defRPr sz="14300" kern="1200">
+                <a:solidFill>
+                  <a:schemeClr val="tx1"/>
+                </a:solidFill>
+                <a:latin typeface="+mn-lt"/>
+                <a:ea typeface="+mn-ea"/>
+                <a:cs typeface="+mn-cs"/>
+              </a:defRPr>
+            </a:lvl1pPr>
+            <a:lvl2pPr marL="3311402" indent="-1273616" algn="l" defTabSz="2037786" rtl="0" eaLnBrk="1" latinLnBrk="0" hangingPunct="1">
+              <a:spcBef>
+                <a:spcPct val="20000"/>
+              </a:spcBef>
+              <a:buFont typeface="Arial"/>
+              <a:buChar char="–"/>
+              <a:defRPr sz="12500" kern="1200">
+                <a:solidFill>
+                  <a:schemeClr val="tx1"/>
+                </a:solidFill>
+                <a:latin typeface="+mn-lt"/>
+                <a:ea typeface="+mn-ea"/>
+                <a:cs typeface="+mn-cs"/>
+              </a:defRPr>
+            </a:lvl2pPr>
+            <a:lvl3pPr marL="5094465" indent="-1018893" algn="l" defTabSz="2037786" rtl="0" eaLnBrk="1" latinLnBrk="0" hangingPunct="1">
+              <a:spcBef>
+                <a:spcPct val="20000"/>
+              </a:spcBef>
+              <a:buFont typeface="Arial"/>
+              <a:buChar char="•"/>
+              <a:defRPr sz="10700" kern="1200">
+                <a:solidFill>
+                  <a:schemeClr val="tx1"/>
+                </a:solidFill>
+                <a:latin typeface="+mn-lt"/>
+                <a:ea typeface="+mn-ea"/>
+                <a:cs typeface="+mn-cs"/>
+              </a:defRPr>
+            </a:lvl3pPr>
+            <a:lvl4pPr marL="7132251" indent="-1018893" algn="l" defTabSz="2037786" rtl="0" eaLnBrk="1" latinLnBrk="0" hangingPunct="1">
+              <a:spcBef>
+                <a:spcPct val="20000"/>
+              </a:spcBef>
+              <a:buFont typeface="Arial"/>
+              <a:buChar char="–"/>
+              <a:defRPr sz="8900" kern="1200">
+                <a:solidFill>
+                  <a:schemeClr val="tx1"/>
+                </a:solidFill>
+                <a:latin typeface="+mn-lt"/>
+                <a:ea typeface="+mn-ea"/>
+                <a:cs typeface="+mn-cs"/>
+              </a:defRPr>
+            </a:lvl4pPr>
+            <a:lvl5pPr marL="9170038" indent="-1018893" algn="l" defTabSz="2037786" rtl="0" eaLnBrk="1" latinLnBrk="0" hangingPunct="1">
+              <a:spcBef>
+                <a:spcPct val="20000"/>
+              </a:spcBef>
+              <a:buFont typeface="Arial"/>
+              <a:buChar char="»"/>
+              <a:defRPr sz="8900" kern="1200">
+                <a:solidFill>
+                  <a:schemeClr val="tx1"/>
+                </a:solidFill>
+                <a:latin typeface="+mn-lt"/>
+                <a:ea typeface="+mn-ea"/>
+                <a:cs typeface="+mn-cs"/>
+              </a:defRPr>
+            </a:lvl5pPr>
+            <a:lvl6pPr marL="11207824" indent="-1018893" algn="l" defTabSz="2037786" rtl="0" eaLnBrk="1" latinLnBrk="0" hangingPunct="1">
+              <a:spcBef>
+                <a:spcPct val="20000"/>
+              </a:spcBef>
+              <a:buFont typeface="Arial"/>
+              <a:buChar char="•"/>
+              <a:defRPr sz="8900" kern="1200">
+                <a:solidFill>
+                  <a:schemeClr val="tx1"/>
+                </a:solidFill>
+                <a:latin typeface="+mn-lt"/>
+                <a:ea typeface="+mn-ea"/>
+                <a:cs typeface="+mn-cs"/>
+              </a:defRPr>
+            </a:lvl6pPr>
+            <a:lvl7pPr marL="13245610" indent="-1018893" algn="l" defTabSz="2037786" rtl="0" eaLnBrk="1" latinLnBrk="0" hangingPunct="1">
+              <a:spcBef>
+                <a:spcPct val="20000"/>
+              </a:spcBef>
+              <a:buFont typeface="Arial"/>
+              <a:buChar char="•"/>
+              <a:defRPr sz="8900" kern="1200">
+                <a:solidFill>
+                  <a:schemeClr val="tx1"/>
+                </a:solidFill>
+                <a:latin typeface="+mn-lt"/>
+                <a:ea typeface="+mn-ea"/>
+                <a:cs typeface="+mn-cs"/>
+              </a:defRPr>
+            </a:lvl7pPr>
+            <a:lvl8pPr marL="15283396" indent="-1018893" algn="l" defTabSz="2037786" rtl="0" eaLnBrk="1" latinLnBrk="0" hangingPunct="1">
+              <a:spcBef>
+                <a:spcPct val="20000"/>
+              </a:spcBef>
+              <a:buFont typeface="Arial"/>
+              <a:buChar char="•"/>
+              <a:defRPr sz="8900" kern="1200">
+                <a:solidFill>
+                  <a:schemeClr val="tx1"/>
+                </a:solidFill>
+                <a:latin typeface="+mn-lt"/>
+                <a:ea typeface="+mn-ea"/>
+                <a:cs typeface="+mn-cs"/>
+              </a:defRPr>
+            </a:lvl8pPr>
+            <a:lvl9pPr marL="17321182" indent="-1018893" algn="l" defTabSz="2037786" rtl="0" eaLnBrk="1" latinLnBrk="0" hangingPunct="1">
+              <a:spcBef>
+                <a:spcPct val="20000"/>
+              </a:spcBef>
+              <a:buFont typeface="Arial"/>
+              <a:buChar char="•"/>
+              <a:defRPr sz="8900" kern="1200">
+                <a:solidFill>
+                  <a:schemeClr val="tx1"/>
+                </a:solidFill>
+                <a:latin typeface="+mn-lt"/>
+                <a:ea typeface="+mn-ea"/>
+                <a:cs typeface="+mn-cs"/>
+              </a:defRPr>
+            </a:lvl9pPr>
+          </a:lstStyle>
+          <a:p>
+            <a:pPr marL="0" indent="0">
+              <a:buNone/>
+            </a:pPr>
+            <a:r>
+              <a:rPr lang="en-US" sz="9600" b="1" dirty="0">
+                <a:solidFill>
+                  <a:srgbClr val="004A86"/>
+                </a:solidFill>
+                <a:latin typeface="Helvetica" panose="020B0604020202020204" pitchFamily="34" charset="0"/>
+                <a:ea typeface="Interstate" charset="0"/>
+                <a:cs typeface="Helvetica" panose="020B0604020202020204" pitchFamily="34" charset="0"/>
+              </a:rPr>
+              <a:t>Linking Disaster Risk and</a:t>
+            </a:r>
+          </a:p>
+        </p:txBody>
+      </p:sp>
+      <p:pic>
+        <p:nvPicPr>
+          <p:cNvPr id="5" name="Picture 4">
+            <a:extLst>
+              <a:ext uri="{FF2B5EF4-FFF2-40B4-BE49-F238E27FC236}">
+                <a16:creationId xmlns:a16="http://schemas.microsoft.com/office/drawing/2014/main" id="{7A71C58F-9CF0-43BC-8524-45BC7197BE30}"/>
+              </a:ext>
+            </a:extLst>
+          </p:cNvPr>
+          <p:cNvPicPr>
+            <a:picLocks noChangeAspect="1"/>
+          </p:cNvPicPr>
+          <p:nvPr/>
+        </p:nvPicPr>
+        <p:blipFill rotWithShape="1">
+          <a:blip r:embed="rId4"/>
+          <a:srcRect t="18787"/>
+          <a:stretch/>
+        </p:blipFill>
+        <p:spPr>
+          <a:xfrm>
+            <a:off x="1" y="5910943"/>
+            <a:ext cx="38300164" cy="21995977"/>
+          </a:xfrm>
+          <a:prstGeom prst="rect">
+            <a:avLst/>
+          </a:prstGeom>
+        </p:spPr>
+      </p:pic>
+      <p:sp>
+        <p:nvSpPr>
+          <p:cNvPr id="40" name="Text Placeholder 2">
+            <a:extLst>
+              <a:ext uri="{FF2B5EF4-FFF2-40B4-BE49-F238E27FC236}">
+                <a16:creationId xmlns:a16="http://schemas.microsoft.com/office/drawing/2014/main" id="{1CECEFA7-E55D-448F-925A-243B36A2391D}"/>
+              </a:ext>
+            </a:extLst>
+          </p:cNvPr>
+          <p:cNvSpPr txBox="1">
+            <a:spLocks/>
+          </p:cNvSpPr>
+          <p:nvPr/>
+        </p:nvSpPr>
+        <p:spPr>
+          <a:xfrm>
+            <a:off x="22762029" y="26906795"/>
+            <a:ext cx="14635263" cy="970187"/>
+          </a:xfrm>
+          <a:prstGeom prst="rect">
+            <a:avLst/>
+          </a:prstGeom>
+          <a:solidFill>
+            <a:srgbClr val="FF9900"/>
+          </a:solidFill>
+          <a:ln>
+            <a:noFill/>
+          </a:ln>
+        </p:spPr>
+        <p:txBody>
+          <a:bodyPr vert="horz" lIns="0" tIns="178307" rIns="0" bIns="178307" rtlCol="0" anchor="ctr"/>
+          <a:lstStyle>
+            <a:defPPr>
+              <a:defRPr lang="en-US"/>
+            </a:defPPr>
+            <a:lvl1pPr marL="0" algn="ctr" defTabSz="2037786" rtl="0" eaLnBrk="1" latinLnBrk="0" hangingPunct="1">
+              <a:defRPr sz="5300" kern="1200">
+                <a:solidFill>
+                  <a:schemeClr val="tx1">
+                    <a:tint val="75000"/>
+                  </a:schemeClr>
+                </a:solidFill>
+                <a:latin typeface="+mn-lt"/>
+                <a:ea typeface="+mn-ea"/>
+                <a:cs typeface="+mn-cs"/>
+              </a:defRPr>
+            </a:lvl1pPr>
+            <a:lvl2pPr marL="2037786" algn="l" defTabSz="2037786" rtl="0" eaLnBrk="1" latinLnBrk="0" hangingPunct="1">
+              <a:defRPr sz="8000" kern="1200">
+                <a:solidFill>
+                  <a:schemeClr val="tx1"/>
+                </a:solidFill>
+                <a:latin typeface="+mn-lt"/>
+                <a:ea typeface="+mn-ea"/>
+                <a:cs typeface="+mn-cs"/>
+              </a:defRPr>
+            </a:lvl2pPr>
+            <a:lvl3pPr marL="4075572" algn="l" defTabSz="2037786" rtl="0" eaLnBrk="1" latinLnBrk="0" hangingPunct="1">
+              <a:defRPr sz="8000" kern="1200">
+                <a:solidFill>
+                  <a:schemeClr val="tx1"/>
+                </a:solidFill>
+                <a:latin typeface="+mn-lt"/>
+                <a:ea typeface="+mn-ea"/>
+                <a:cs typeface="+mn-cs"/>
+              </a:defRPr>
+            </a:lvl3pPr>
+            <a:lvl4pPr marL="6113358" algn="l" defTabSz="2037786" rtl="0" eaLnBrk="1" latinLnBrk="0" hangingPunct="1">
+              <a:defRPr sz="8000" kern="1200">
+                <a:solidFill>
+                  <a:schemeClr val="tx1"/>
+                </a:solidFill>
+                <a:latin typeface="+mn-lt"/>
+                <a:ea typeface="+mn-ea"/>
+                <a:cs typeface="+mn-cs"/>
+              </a:defRPr>
+            </a:lvl4pPr>
+            <a:lvl5pPr marL="8151144" algn="l" defTabSz="2037786" rtl="0" eaLnBrk="1" latinLnBrk="0" hangingPunct="1">
+              <a:defRPr sz="8000" kern="1200">
+                <a:solidFill>
+                  <a:schemeClr val="tx1"/>
+                </a:solidFill>
+                <a:latin typeface="+mn-lt"/>
+                <a:ea typeface="+mn-ea"/>
+                <a:cs typeface="+mn-cs"/>
+              </a:defRPr>
+            </a:lvl5pPr>
+            <a:lvl6pPr marL="10188931" algn="l" defTabSz="2037786" rtl="0" eaLnBrk="1" latinLnBrk="0" hangingPunct="1">
+              <a:defRPr sz="8000" kern="1200">
+                <a:solidFill>
+                  <a:schemeClr val="tx1"/>
+                </a:solidFill>
+                <a:latin typeface="+mn-lt"/>
+                <a:ea typeface="+mn-ea"/>
+                <a:cs typeface="+mn-cs"/>
+              </a:defRPr>
+            </a:lvl6pPr>
+            <a:lvl7pPr marL="12226717" algn="l" defTabSz="2037786" rtl="0" eaLnBrk="1" latinLnBrk="0" hangingPunct="1">
+              <a:defRPr sz="8000" kern="1200">
+                <a:solidFill>
+                  <a:schemeClr val="tx1"/>
+                </a:solidFill>
+                <a:latin typeface="+mn-lt"/>
+                <a:ea typeface="+mn-ea"/>
+                <a:cs typeface="+mn-cs"/>
+              </a:defRPr>
+            </a:lvl7pPr>
+            <a:lvl8pPr marL="14264503" algn="l" defTabSz="2037786" rtl="0" eaLnBrk="1" latinLnBrk="0" hangingPunct="1">
+              <a:defRPr sz="8000" kern="1200">
+                <a:solidFill>
+                  <a:schemeClr val="tx1"/>
+                </a:solidFill>
+                <a:latin typeface="+mn-lt"/>
+                <a:ea typeface="+mn-ea"/>
+                <a:cs typeface="+mn-cs"/>
+              </a:defRPr>
+            </a:lvl8pPr>
+            <a:lvl9pPr marL="16302289" algn="l" defTabSz="2037786" rtl="0" eaLnBrk="1" latinLnBrk="0" hangingPunct="1">
+              <a:defRPr sz="8000" kern="1200">
+                <a:solidFill>
+                  <a:schemeClr val="tx1"/>
+                </a:solidFill>
+                <a:latin typeface="+mn-lt"/>
+                <a:ea typeface="+mn-ea"/>
+                <a:cs typeface="+mn-cs"/>
+              </a:defRPr>
+            </a:lvl9pPr>
+          </a:lstStyle>
+          <a:p>
+            <a:r>
+              <a:rPr lang="en-US" sz="4400" b="1" cap="all" spc="525" dirty="0">
+                <a:solidFill>
+                  <a:schemeClr val="tx2">
+                    <a:lumMod val="75000"/>
+                  </a:schemeClr>
+                </a:solidFill>
+                <a:latin typeface="Helvetica" panose="020B0604020202020204" pitchFamily="34" charset="0"/>
+                <a:ea typeface="Interstate" charset="0"/>
+                <a:cs typeface="Helvetica" panose="020B0604020202020204" pitchFamily="34" charset="0"/>
+              </a:rPr>
+              <a:t>Environmental Performance index</a:t>
+            </a:r>
+          </a:p>
+        </p:txBody>
+      </p:sp>
+    </p:spTree>
+    <p:extLst>
+      <p:ext uri="{BB962C8B-B14F-4D97-AF65-F5344CB8AC3E}">
+        <p14:creationId xmlns:p14="http://schemas.microsoft.com/office/powerpoint/2010/main" val="995882277"/>
       </p:ext>
     </p:extLst>
   </p:cSld>
